--- a/presentation/Java Pattern Matching.pptx
+++ b/presentation/Java Pattern Matching.pptx
@@ -4,8 +4,24 @@
   <p:sldMasterIdLst>
     <p:sldMasterId id="2147483648" r:id="rId1"/>
   </p:sldMasterIdLst>
+  <p:notesMasterIdLst>
+    <p:notesMasterId r:id="rId16"/>
+  </p:notesMasterIdLst>
   <p:sldIdLst>
     <p:sldId id="256" r:id="rId2"/>
+    <p:sldId id="257" r:id="rId3"/>
+    <p:sldId id="266" r:id="rId4"/>
+    <p:sldId id="258" r:id="rId5"/>
+    <p:sldId id="259" r:id="rId6"/>
+    <p:sldId id="269" r:id="rId7"/>
+    <p:sldId id="265" r:id="rId8"/>
+    <p:sldId id="260" r:id="rId9"/>
+    <p:sldId id="261" r:id="rId10"/>
+    <p:sldId id="262" r:id="rId11"/>
+    <p:sldId id="263" r:id="rId12"/>
+    <p:sldId id="264" r:id="rId13"/>
+    <p:sldId id="267" r:id="rId14"/>
+    <p:sldId id="268" r:id="rId15"/>
   </p:sldIdLst>
   <p:sldSz cx="12192000" cy="6858000"/>
   <p:notesSz cx="6858000" cy="9144000"/>
@@ -105,6 +121,440 @@
     </a:lvl9pPr>
   </p:defaultTextStyle>
 </p:presentation>
+</file>
+
+<file path=ppt/notesMasters/notesMaster1.xml><?xml version="1.0" encoding="utf-8"?>
+<p:notesMaster xmlns:a="http://schemas.openxmlformats.org/drawingml/2006/main" xmlns:r="http://schemas.openxmlformats.org/officeDocument/2006/relationships" xmlns:p="http://schemas.openxmlformats.org/presentationml/2006/main">
+  <p:cSld>
+    <p:bg>
+      <p:bgRef idx="1001">
+        <a:schemeClr val="bg1"/>
+      </p:bgRef>
+    </p:bg>
+    <p:spTree>
+      <p:nvGrpSpPr>
+        <p:cNvPr id="1" name=""/>
+        <p:cNvGrpSpPr/>
+        <p:nvPr/>
+      </p:nvGrpSpPr>
+      <p:grpSpPr>
+        <a:xfrm>
+          <a:off x="0" y="0"/>
+          <a:ext cx="0" cy="0"/>
+          <a:chOff x="0" y="0"/>
+          <a:chExt cx="0" cy="0"/>
+        </a:xfrm>
+      </p:grpSpPr>
+      <p:sp>
+        <p:nvSpPr>
+          <p:cNvPr id="2" name="Header Placeholder 1"/>
+          <p:cNvSpPr>
+            <a:spLocks noGrp="1"/>
+          </p:cNvSpPr>
+          <p:nvPr>
+            <p:ph type="hdr" sz="quarter"/>
+          </p:nvPr>
+        </p:nvSpPr>
+        <p:spPr>
+          <a:xfrm>
+            <a:off x="0" y="0"/>
+            <a:ext cx="2971800" cy="458788"/>
+          </a:xfrm>
+          <a:prstGeom prst="rect">
+            <a:avLst/>
+          </a:prstGeom>
+        </p:spPr>
+        <p:txBody>
+          <a:bodyPr vert="horz" lIns="91440" tIns="45720" rIns="91440" bIns="45720" rtlCol="0"/>
+          <a:lstStyle>
+            <a:lvl1pPr algn="l">
+              <a:defRPr sz="1200"/>
+            </a:lvl1pPr>
+          </a:lstStyle>
+          <a:p>
+            <a:endParaRPr lang="en-DE"/>
+          </a:p>
+        </p:txBody>
+      </p:sp>
+      <p:sp>
+        <p:nvSpPr>
+          <p:cNvPr id="3" name="Date Placeholder 2"/>
+          <p:cNvSpPr>
+            <a:spLocks noGrp="1"/>
+          </p:cNvSpPr>
+          <p:nvPr>
+            <p:ph type="dt" idx="1"/>
+          </p:nvPr>
+        </p:nvSpPr>
+        <p:spPr>
+          <a:xfrm>
+            <a:off x="3884613" y="0"/>
+            <a:ext cx="2971800" cy="458788"/>
+          </a:xfrm>
+          <a:prstGeom prst="rect">
+            <a:avLst/>
+          </a:prstGeom>
+        </p:spPr>
+        <p:txBody>
+          <a:bodyPr vert="horz" lIns="91440" tIns="45720" rIns="91440" bIns="45720" rtlCol="0"/>
+          <a:lstStyle>
+            <a:lvl1pPr algn="r">
+              <a:defRPr sz="1200"/>
+            </a:lvl1pPr>
+          </a:lstStyle>
+          <a:p>
+            <a:fld id="{B8CA89A1-4E27-7E48-9216-4AE56FD0FE2B}" type="datetimeFigureOut">
+              <a:rPr lang="en-DE" smtClean="0"/>
+              <a:t>04.07.22</a:t>
+            </a:fld>
+            <a:endParaRPr lang="en-DE"/>
+          </a:p>
+        </p:txBody>
+      </p:sp>
+      <p:sp>
+        <p:nvSpPr>
+          <p:cNvPr id="4" name="Slide Image Placeholder 3"/>
+          <p:cNvSpPr>
+            <a:spLocks noGrp="1" noRot="1" noChangeAspect="1"/>
+          </p:cNvSpPr>
+          <p:nvPr>
+            <p:ph type="sldImg" idx="2"/>
+          </p:nvPr>
+        </p:nvSpPr>
+        <p:spPr>
+          <a:xfrm>
+            <a:off x="685800" y="1143000"/>
+            <a:ext cx="5486400" cy="3086100"/>
+          </a:xfrm>
+          <a:prstGeom prst="rect">
+            <a:avLst/>
+          </a:prstGeom>
+          <a:noFill/>
+          <a:ln w="12700">
+            <a:solidFill>
+              <a:prstClr val="black"/>
+            </a:solidFill>
+          </a:ln>
+        </p:spPr>
+        <p:txBody>
+          <a:bodyPr vert="horz" lIns="91440" tIns="45720" rIns="91440" bIns="45720" rtlCol="0" anchor="ctr"/>
+          <a:lstStyle/>
+          <a:p>
+            <a:endParaRPr lang="en-DE"/>
+          </a:p>
+        </p:txBody>
+      </p:sp>
+      <p:sp>
+        <p:nvSpPr>
+          <p:cNvPr id="5" name="Notes Placeholder 4"/>
+          <p:cNvSpPr>
+            <a:spLocks noGrp="1"/>
+          </p:cNvSpPr>
+          <p:nvPr>
+            <p:ph type="body" sz="quarter" idx="3"/>
+          </p:nvPr>
+        </p:nvSpPr>
+        <p:spPr>
+          <a:xfrm>
+            <a:off x="685800" y="4400550"/>
+            <a:ext cx="5486400" cy="3600450"/>
+          </a:xfrm>
+          <a:prstGeom prst="rect">
+            <a:avLst/>
+          </a:prstGeom>
+        </p:spPr>
+        <p:txBody>
+          <a:bodyPr vert="horz" lIns="91440" tIns="45720" rIns="91440" bIns="45720" rtlCol="0"/>
+          <a:lstStyle/>
+          <a:p>
+            <a:pPr lvl="0"/>
+            <a:r>
+              <a:rPr lang="en-GB"/>
+              <a:t>Click to edit Master text styles</a:t>
+            </a:r>
+          </a:p>
+          <a:p>
+            <a:pPr lvl="1"/>
+            <a:r>
+              <a:rPr lang="en-GB"/>
+              <a:t>Second level</a:t>
+            </a:r>
+          </a:p>
+          <a:p>
+            <a:pPr lvl="2"/>
+            <a:r>
+              <a:rPr lang="en-GB"/>
+              <a:t>Third level</a:t>
+            </a:r>
+          </a:p>
+          <a:p>
+            <a:pPr lvl="3"/>
+            <a:r>
+              <a:rPr lang="en-GB"/>
+              <a:t>Fourth level</a:t>
+            </a:r>
+          </a:p>
+          <a:p>
+            <a:pPr lvl="4"/>
+            <a:r>
+              <a:rPr lang="en-GB"/>
+              <a:t>Fifth level</a:t>
+            </a:r>
+            <a:endParaRPr lang="en-DE"/>
+          </a:p>
+        </p:txBody>
+      </p:sp>
+      <p:sp>
+        <p:nvSpPr>
+          <p:cNvPr id="6" name="Footer Placeholder 5"/>
+          <p:cNvSpPr>
+            <a:spLocks noGrp="1"/>
+          </p:cNvSpPr>
+          <p:nvPr>
+            <p:ph type="ftr" sz="quarter" idx="4"/>
+          </p:nvPr>
+        </p:nvSpPr>
+        <p:spPr>
+          <a:xfrm>
+            <a:off x="0" y="8685213"/>
+            <a:ext cx="2971800" cy="458787"/>
+          </a:xfrm>
+          <a:prstGeom prst="rect">
+            <a:avLst/>
+          </a:prstGeom>
+        </p:spPr>
+        <p:txBody>
+          <a:bodyPr vert="horz" lIns="91440" tIns="45720" rIns="91440" bIns="45720" rtlCol="0" anchor="b"/>
+          <a:lstStyle>
+            <a:lvl1pPr algn="l">
+              <a:defRPr sz="1200"/>
+            </a:lvl1pPr>
+          </a:lstStyle>
+          <a:p>
+            <a:endParaRPr lang="en-DE"/>
+          </a:p>
+        </p:txBody>
+      </p:sp>
+      <p:sp>
+        <p:nvSpPr>
+          <p:cNvPr id="7" name="Slide Number Placeholder 6"/>
+          <p:cNvSpPr>
+            <a:spLocks noGrp="1"/>
+          </p:cNvSpPr>
+          <p:nvPr>
+            <p:ph type="sldNum" sz="quarter" idx="5"/>
+          </p:nvPr>
+        </p:nvSpPr>
+        <p:spPr>
+          <a:xfrm>
+            <a:off x="3884613" y="8685213"/>
+            <a:ext cx="2971800" cy="458787"/>
+          </a:xfrm>
+          <a:prstGeom prst="rect">
+            <a:avLst/>
+          </a:prstGeom>
+        </p:spPr>
+        <p:txBody>
+          <a:bodyPr vert="horz" lIns="91440" tIns="45720" rIns="91440" bIns="45720" rtlCol="0" anchor="b"/>
+          <a:lstStyle>
+            <a:lvl1pPr algn="r">
+              <a:defRPr sz="1200"/>
+            </a:lvl1pPr>
+          </a:lstStyle>
+          <a:p>
+            <a:fld id="{7726E334-69D0-D44E-8743-412A38E569E3}" type="slidenum">
+              <a:rPr lang="en-DE" smtClean="0"/>
+              <a:t>‹#›</a:t>
+            </a:fld>
+            <a:endParaRPr lang="en-DE"/>
+          </a:p>
+        </p:txBody>
+      </p:sp>
+    </p:spTree>
+    <p:extLst>
+      <p:ext uri="{BB962C8B-B14F-4D97-AF65-F5344CB8AC3E}">
+        <p14:creationId xmlns:p14="http://schemas.microsoft.com/office/powerpoint/2010/main" val="2173249031"/>
+      </p:ext>
+    </p:extLst>
+  </p:cSld>
+  <p:clrMap bg1="lt1" tx1="dk1" bg2="lt2" tx2="dk2" accent1="accent1" accent2="accent2" accent3="accent3" accent4="accent4" accent5="accent5" accent6="accent6" hlink="hlink" folHlink="folHlink"/>
+  <p:notesStyle>
+    <a:lvl1pPr marL="0" algn="l" defTabSz="914400" rtl="0" eaLnBrk="1" latinLnBrk="0" hangingPunct="1">
+      <a:defRPr sz="1200" kern="1200">
+        <a:solidFill>
+          <a:schemeClr val="tx1"/>
+        </a:solidFill>
+        <a:latin typeface="+mn-lt"/>
+        <a:ea typeface="+mn-ea"/>
+        <a:cs typeface="+mn-cs"/>
+      </a:defRPr>
+    </a:lvl1pPr>
+    <a:lvl2pPr marL="457200" algn="l" defTabSz="914400" rtl="0" eaLnBrk="1" latinLnBrk="0" hangingPunct="1">
+      <a:defRPr sz="1200" kern="1200">
+        <a:solidFill>
+          <a:schemeClr val="tx1"/>
+        </a:solidFill>
+        <a:latin typeface="+mn-lt"/>
+        <a:ea typeface="+mn-ea"/>
+        <a:cs typeface="+mn-cs"/>
+      </a:defRPr>
+    </a:lvl2pPr>
+    <a:lvl3pPr marL="914400" algn="l" defTabSz="914400" rtl="0" eaLnBrk="1" latinLnBrk="0" hangingPunct="1">
+      <a:defRPr sz="1200" kern="1200">
+        <a:solidFill>
+          <a:schemeClr val="tx1"/>
+        </a:solidFill>
+        <a:latin typeface="+mn-lt"/>
+        <a:ea typeface="+mn-ea"/>
+        <a:cs typeface="+mn-cs"/>
+      </a:defRPr>
+    </a:lvl3pPr>
+    <a:lvl4pPr marL="1371600" algn="l" defTabSz="914400" rtl="0" eaLnBrk="1" latinLnBrk="0" hangingPunct="1">
+      <a:defRPr sz="1200" kern="1200">
+        <a:solidFill>
+          <a:schemeClr val="tx1"/>
+        </a:solidFill>
+        <a:latin typeface="+mn-lt"/>
+        <a:ea typeface="+mn-ea"/>
+        <a:cs typeface="+mn-cs"/>
+      </a:defRPr>
+    </a:lvl4pPr>
+    <a:lvl5pPr marL="1828800" algn="l" defTabSz="914400" rtl="0" eaLnBrk="1" latinLnBrk="0" hangingPunct="1">
+      <a:defRPr sz="1200" kern="1200">
+        <a:solidFill>
+          <a:schemeClr val="tx1"/>
+        </a:solidFill>
+        <a:latin typeface="+mn-lt"/>
+        <a:ea typeface="+mn-ea"/>
+        <a:cs typeface="+mn-cs"/>
+      </a:defRPr>
+    </a:lvl5pPr>
+    <a:lvl6pPr marL="2286000" algn="l" defTabSz="914400" rtl="0" eaLnBrk="1" latinLnBrk="0" hangingPunct="1">
+      <a:defRPr sz="1200" kern="1200">
+        <a:solidFill>
+          <a:schemeClr val="tx1"/>
+        </a:solidFill>
+        <a:latin typeface="+mn-lt"/>
+        <a:ea typeface="+mn-ea"/>
+        <a:cs typeface="+mn-cs"/>
+      </a:defRPr>
+    </a:lvl6pPr>
+    <a:lvl7pPr marL="2743200" algn="l" defTabSz="914400" rtl="0" eaLnBrk="1" latinLnBrk="0" hangingPunct="1">
+      <a:defRPr sz="1200" kern="1200">
+        <a:solidFill>
+          <a:schemeClr val="tx1"/>
+        </a:solidFill>
+        <a:latin typeface="+mn-lt"/>
+        <a:ea typeface="+mn-ea"/>
+        <a:cs typeface="+mn-cs"/>
+      </a:defRPr>
+    </a:lvl7pPr>
+    <a:lvl8pPr marL="3200400" algn="l" defTabSz="914400" rtl="0" eaLnBrk="1" latinLnBrk="0" hangingPunct="1">
+      <a:defRPr sz="1200" kern="1200">
+        <a:solidFill>
+          <a:schemeClr val="tx1"/>
+        </a:solidFill>
+        <a:latin typeface="+mn-lt"/>
+        <a:ea typeface="+mn-ea"/>
+        <a:cs typeface="+mn-cs"/>
+      </a:defRPr>
+    </a:lvl8pPr>
+    <a:lvl9pPr marL="3657600" algn="l" defTabSz="914400" rtl="0" eaLnBrk="1" latinLnBrk="0" hangingPunct="1">
+      <a:defRPr sz="1200" kern="1200">
+        <a:solidFill>
+          <a:schemeClr val="tx1"/>
+        </a:solidFill>
+        <a:latin typeface="+mn-lt"/>
+        <a:ea typeface="+mn-ea"/>
+        <a:cs typeface="+mn-cs"/>
+      </a:defRPr>
+    </a:lvl9pPr>
+  </p:notesStyle>
+</p:notesMaster>
+</file>
+
+<file path=ppt/notesSlides/notesSlide1.xml><?xml version="1.0" encoding="utf-8"?>
+<p:notes xmlns:a="http://schemas.openxmlformats.org/drawingml/2006/main" xmlns:r="http://schemas.openxmlformats.org/officeDocument/2006/relationships" xmlns:p="http://schemas.openxmlformats.org/presentationml/2006/main">
+  <p:cSld>
+    <p:spTree>
+      <p:nvGrpSpPr>
+        <p:cNvPr id="1" name=""/>
+        <p:cNvGrpSpPr/>
+        <p:nvPr/>
+      </p:nvGrpSpPr>
+      <p:grpSpPr>
+        <a:xfrm>
+          <a:off x="0" y="0"/>
+          <a:ext cx="0" cy="0"/>
+          <a:chOff x="0" y="0"/>
+          <a:chExt cx="0" cy="0"/>
+        </a:xfrm>
+      </p:grpSpPr>
+      <p:sp>
+        <p:nvSpPr>
+          <p:cNvPr id="2" name="Slide Image Placeholder 1"/>
+          <p:cNvSpPr>
+            <a:spLocks noGrp="1" noRot="1" noChangeAspect="1"/>
+          </p:cNvSpPr>
+          <p:nvPr>
+            <p:ph type="sldImg"/>
+          </p:nvPr>
+        </p:nvSpPr>
+        <p:spPr/>
+      </p:sp>
+      <p:sp>
+        <p:nvSpPr>
+          <p:cNvPr id="3" name="Notes Placeholder 2"/>
+          <p:cNvSpPr>
+            <a:spLocks noGrp="1"/>
+          </p:cNvSpPr>
+          <p:nvPr>
+            <p:ph type="body" idx="1"/>
+          </p:nvPr>
+        </p:nvSpPr>
+        <p:spPr/>
+        <p:txBody>
+          <a:bodyPr/>
+          <a:lstStyle/>
+          <a:p>
+            <a:endParaRPr lang="en-DE" dirty="0"/>
+          </a:p>
+        </p:txBody>
+      </p:sp>
+      <p:sp>
+        <p:nvSpPr>
+          <p:cNvPr id="4" name="Slide Number Placeholder 3"/>
+          <p:cNvSpPr>
+            <a:spLocks noGrp="1"/>
+          </p:cNvSpPr>
+          <p:nvPr>
+            <p:ph type="sldNum" sz="quarter" idx="5"/>
+          </p:nvPr>
+        </p:nvSpPr>
+        <p:spPr/>
+        <p:txBody>
+          <a:bodyPr/>
+          <a:lstStyle/>
+          <a:p>
+            <a:fld id="{7726E334-69D0-D44E-8743-412A38E569E3}" type="slidenum">
+              <a:rPr lang="en-DE" smtClean="0"/>
+              <a:t>5</a:t>
+            </a:fld>
+            <a:endParaRPr lang="en-DE"/>
+          </a:p>
+        </p:txBody>
+      </p:sp>
+    </p:spTree>
+    <p:extLst>
+      <p:ext uri="{BB962C8B-B14F-4D97-AF65-F5344CB8AC3E}">
+        <p14:creationId xmlns:p14="http://schemas.microsoft.com/office/powerpoint/2010/main" val="2152391337"/>
+      </p:ext>
+    </p:extLst>
+  </p:cSld>
+  <p:clrMapOvr>
+    <a:masterClrMapping/>
+  </p:clrMapOvr>
+</p:notes>
 </file>
 
 <file path=ppt/slideLayouts/slideLayout1.xml><?xml version="1.0" encoding="utf-8"?>
@@ -3363,7 +3813,10 @@
           <a:bodyPr/>
           <a:lstStyle/>
           <a:p>
-            <a:endParaRPr lang="en-DE"/>
+            <a:r>
+              <a:rPr lang="en-DE" dirty="0"/>
+              <a:t>Java Pattern Matching</a:t>
+            </a:r>
           </a:p>
         </p:txBody>
       </p:sp>
@@ -3396,6 +3849,2000 @@
     <p:extLst>
       <p:ext uri="{BB962C8B-B14F-4D97-AF65-F5344CB8AC3E}">
         <p14:creationId xmlns:p14="http://schemas.microsoft.com/office/powerpoint/2010/main" val="3757136966"/>
+      </p:ext>
+    </p:extLst>
+  </p:cSld>
+  <p:clrMapOvr>
+    <a:masterClrMapping/>
+  </p:clrMapOvr>
+</p:sld>
+</file>
+
+<file path=ppt/slides/slide10.xml><?xml version="1.0" encoding="utf-8"?>
+<p:sld xmlns:a="http://schemas.openxmlformats.org/drawingml/2006/main" xmlns:r="http://schemas.openxmlformats.org/officeDocument/2006/relationships" xmlns:p="http://schemas.openxmlformats.org/presentationml/2006/main">
+  <p:cSld>
+    <p:spTree>
+      <p:nvGrpSpPr>
+        <p:cNvPr id="1" name=""/>
+        <p:cNvGrpSpPr/>
+        <p:nvPr/>
+      </p:nvGrpSpPr>
+      <p:grpSpPr>
+        <a:xfrm>
+          <a:off x="0" y="0"/>
+          <a:ext cx="0" cy="0"/>
+          <a:chOff x="0" y="0"/>
+          <a:chExt cx="0" cy="0"/>
+        </a:xfrm>
+      </p:grpSpPr>
+      <p:sp>
+        <p:nvSpPr>
+          <p:cNvPr id="2" name="Title 1">
+            <a:extLst>
+              <a:ext uri="{FF2B5EF4-FFF2-40B4-BE49-F238E27FC236}">
+                <a16:creationId xmlns:a16="http://schemas.microsoft.com/office/drawing/2014/main" id="{692A59BB-B18A-C478-B62B-0BEA93F95B27}"/>
+              </a:ext>
+            </a:extLst>
+          </p:cNvPr>
+          <p:cNvSpPr>
+            <a:spLocks noGrp="1"/>
+          </p:cNvSpPr>
+          <p:nvPr>
+            <p:ph type="title"/>
+          </p:nvPr>
+        </p:nvSpPr>
+        <p:spPr/>
+        <p:txBody>
+          <a:bodyPr/>
+          <a:lstStyle/>
+          <a:p>
+            <a:endParaRPr lang="en-DE"/>
+          </a:p>
+        </p:txBody>
+      </p:sp>
+      <p:sp>
+        <p:nvSpPr>
+          <p:cNvPr id="3" name="Content Placeholder 2">
+            <a:extLst>
+              <a:ext uri="{FF2B5EF4-FFF2-40B4-BE49-F238E27FC236}">
+                <a16:creationId xmlns:a16="http://schemas.microsoft.com/office/drawing/2014/main" id="{9EA507AE-0FB5-EB0A-7FC8-70FF201F7C9F}"/>
+              </a:ext>
+            </a:extLst>
+          </p:cNvPr>
+          <p:cNvSpPr>
+            <a:spLocks noGrp="1"/>
+          </p:cNvSpPr>
+          <p:nvPr>
+            <p:ph idx="1"/>
+          </p:nvPr>
+        </p:nvSpPr>
+        <p:spPr/>
+        <p:txBody>
+          <a:bodyPr/>
+          <a:lstStyle/>
+          <a:p>
+            <a:endParaRPr lang="en-DE"/>
+          </a:p>
+        </p:txBody>
+      </p:sp>
+      <p:pic>
+        <p:nvPicPr>
+          <p:cNvPr id="4" name="Picture 3">
+            <a:extLst>
+              <a:ext uri="{FF2B5EF4-FFF2-40B4-BE49-F238E27FC236}">
+                <a16:creationId xmlns:a16="http://schemas.microsoft.com/office/drawing/2014/main" id="{1EDC8783-FC98-7780-47CA-716AF308A525}"/>
+              </a:ext>
+            </a:extLst>
+          </p:cNvPr>
+          <p:cNvPicPr>
+            <a:picLocks noChangeAspect="1"/>
+          </p:cNvPicPr>
+          <p:nvPr/>
+        </p:nvPicPr>
+        <p:blipFill>
+          <a:blip r:embed="rId2"/>
+          <a:stretch>
+            <a:fillRect/>
+          </a:stretch>
+        </p:blipFill>
+        <p:spPr>
+          <a:xfrm>
+            <a:off x="2762250" y="933450"/>
+            <a:ext cx="6667500" cy="4991100"/>
+          </a:xfrm>
+          <a:prstGeom prst="rect">
+            <a:avLst/>
+          </a:prstGeom>
+        </p:spPr>
+      </p:pic>
+    </p:spTree>
+    <p:extLst>
+      <p:ext uri="{BB962C8B-B14F-4D97-AF65-F5344CB8AC3E}">
+        <p14:creationId xmlns:p14="http://schemas.microsoft.com/office/powerpoint/2010/main" val="869430498"/>
+      </p:ext>
+    </p:extLst>
+  </p:cSld>
+  <p:clrMapOvr>
+    <a:masterClrMapping/>
+  </p:clrMapOvr>
+</p:sld>
+</file>
+
+<file path=ppt/slides/slide11.xml><?xml version="1.0" encoding="utf-8"?>
+<p:sld xmlns:a="http://schemas.openxmlformats.org/drawingml/2006/main" xmlns:r="http://schemas.openxmlformats.org/officeDocument/2006/relationships" xmlns:p="http://schemas.openxmlformats.org/presentationml/2006/main">
+  <p:cSld>
+    <p:spTree>
+      <p:nvGrpSpPr>
+        <p:cNvPr id="1" name=""/>
+        <p:cNvGrpSpPr/>
+        <p:nvPr/>
+      </p:nvGrpSpPr>
+      <p:grpSpPr>
+        <a:xfrm>
+          <a:off x="0" y="0"/>
+          <a:ext cx="0" cy="0"/>
+          <a:chOff x="0" y="0"/>
+          <a:chExt cx="0" cy="0"/>
+        </a:xfrm>
+      </p:grpSpPr>
+      <p:sp>
+        <p:nvSpPr>
+          <p:cNvPr id="2" name="Title 1">
+            <a:extLst>
+              <a:ext uri="{FF2B5EF4-FFF2-40B4-BE49-F238E27FC236}">
+                <a16:creationId xmlns:a16="http://schemas.microsoft.com/office/drawing/2014/main" id="{866E3700-DF42-D72C-BB72-34DB7BDD4B7F}"/>
+              </a:ext>
+            </a:extLst>
+          </p:cNvPr>
+          <p:cNvSpPr>
+            <a:spLocks noGrp="1"/>
+          </p:cNvSpPr>
+          <p:nvPr>
+            <p:ph type="title"/>
+          </p:nvPr>
+        </p:nvSpPr>
+        <p:spPr/>
+        <p:txBody>
+          <a:bodyPr/>
+          <a:lstStyle/>
+          <a:p>
+            <a:endParaRPr lang="en-DE"/>
+          </a:p>
+        </p:txBody>
+      </p:sp>
+      <p:sp>
+        <p:nvSpPr>
+          <p:cNvPr id="3" name="Content Placeholder 2">
+            <a:extLst>
+              <a:ext uri="{FF2B5EF4-FFF2-40B4-BE49-F238E27FC236}">
+                <a16:creationId xmlns:a16="http://schemas.microsoft.com/office/drawing/2014/main" id="{6E157C57-8197-FB7D-D080-8B0F234449CA}"/>
+              </a:ext>
+            </a:extLst>
+          </p:cNvPr>
+          <p:cNvSpPr>
+            <a:spLocks noGrp="1"/>
+          </p:cNvSpPr>
+          <p:nvPr>
+            <p:ph idx="1"/>
+          </p:nvPr>
+        </p:nvSpPr>
+        <p:spPr/>
+        <p:txBody>
+          <a:bodyPr/>
+          <a:lstStyle/>
+          <a:p>
+            <a:endParaRPr lang="en-DE"/>
+          </a:p>
+        </p:txBody>
+      </p:sp>
+      <p:pic>
+        <p:nvPicPr>
+          <p:cNvPr id="4" name="Picture 3">
+            <a:extLst>
+              <a:ext uri="{FF2B5EF4-FFF2-40B4-BE49-F238E27FC236}">
+                <a16:creationId xmlns:a16="http://schemas.microsoft.com/office/drawing/2014/main" id="{5997B832-EC22-1613-15CE-351DE44D48BA}"/>
+              </a:ext>
+            </a:extLst>
+          </p:cNvPr>
+          <p:cNvPicPr>
+            <a:picLocks noChangeAspect="1"/>
+          </p:cNvPicPr>
+          <p:nvPr/>
+        </p:nvPicPr>
+        <p:blipFill>
+          <a:blip r:embed="rId2"/>
+          <a:stretch>
+            <a:fillRect/>
+          </a:stretch>
+        </p:blipFill>
+        <p:spPr>
+          <a:xfrm>
+            <a:off x="2222500" y="774700"/>
+            <a:ext cx="7747000" cy="5308600"/>
+          </a:xfrm>
+          <a:prstGeom prst="rect">
+            <a:avLst/>
+          </a:prstGeom>
+        </p:spPr>
+      </p:pic>
+    </p:spTree>
+    <p:extLst>
+      <p:ext uri="{BB962C8B-B14F-4D97-AF65-F5344CB8AC3E}">
+        <p14:creationId xmlns:p14="http://schemas.microsoft.com/office/powerpoint/2010/main" val="2449781051"/>
+      </p:ext>
+    </p:extLst>
+  </p:cSld>
+  <p:clrMapOvr>
+    <a:masterClrMapping/>
+  </p:clrMapOvr>
+</p:sld>
+</file>
+
+<file path=ppt/slides/slide12.xml><?xml version="1.0" encoding="utf-8"?>
+<p:sld xmlns:a="http://schemas.openxmlformats.org/drawingml/2006/main" xmlns:r="http://schemas.openxmlformats.org/officeDocument/2006/relationships" xmlns:p="http://schemas.openxmlformats.org/presentationml/2006/main">
+  <p:cSld>
+    <p:spTree>
+      <p:nvGrpSpPr>
+        <p:cNvPr id="1" name=""/>
+        <p:cNvGrpSpPr/>
+        <p:nvPr/>
+      </p:nvGrpSpPr>
+      <p:grpSpPr>
+        <a:xfrm>
+          <a:off x="0" y="0"/>
+          <a:ext cx="0" cy="0"/>
+          <a:chOff x="0" y="0"/>
+          <a:chExt cx="0" cy="0"/>
+        </a:xfrm>
+      </p:grpSpPr>
+      <p:sp>
+        <p:nvSpPr>
+          <p:cNvPr id="2" name="Title 1">
+            <a:extLst>
+              <a:ext uri="{FF2B5EF4-FFF2-40B4-BE49-F238E27FC236}">
+                <a16:creationId xmlns:a16="http://schemas.microsoft.com/office/drawing/2014/main" id="{3624A1A3-511E-DA5E-BE5C-63E03A6DB6DD}"/>
+              </a:ext>
+            </a:extLst>
+          </p:cNvPr>
+          <p:cNvSpPr>
+            <a:spLocks noGrp="1"/>
+          </p:cNvSpPr>
+          <p:nvPr>
+            <p:ph type="title"/>
+          </p:nvPr>
+        </p:nvSpPr>
+        <p:spPr/>
+        <p:txBody>
+          <a:bodyPr/>
+          <a:lstStyle/>
+          <a:p>
+            <a:endParaRPr lang="en-DE"/>
+          </a:p>
+        </p:txBody>
+      </p:sp>
+      <p:sp>
+        <p:nvSpPr>
+          <p:cNvPr id="3" name="Content Placeholder 2">
+            <a:extLst>
+              <a:ext uri="{FF2B5EF4-FFF2-40B4-BE49-F238E27FC236}">
+                <a16:creationId xmlns:a16="http://schemas.microsoft.com/office/drawing/2014/main" id="{F0C15C41-0A39-A6A5-D603-6D08CC40052C}"/>
+              </a:ext>
+            </a:extLst>
+          </p:cNvPr>
+          <p:cNvSpPr>
+            <a:spLocks noGrp="1"/>
+          </p:cNvSpPr>
+          <p:nvPr>
+            <p:ph idx="1"/>
+          </p:nvPr>
+        </p:nvSpPr>
+        <p:spPr/>
+        <p:txBody>
+          <a:bodyPr/>
+          <a:lstStyle/>
+          <a:p>
+            <a:endParaRPr lang="en-DE"/>
+          </a:p>
+        </p:txBody>
+      </p:sp>
+      <p:pic>
+        <p:nvPicPr>
+          <p:cNvPr id="4" name="Picture 3">
+            <a:extLst>
+              <a:ext uri="{FF2B5EF4-FFF2-40B4-BE49-F238E27FC236}">
+                <a16:creationId xmlns:a16="http://schemas.microsoft.com/office/drawing/2014/main" id="{217BBB31-E844-2E78-F575-0C4ED8C38620}"/>
+              </a:ext>
+            </a:extLst>
+          </p:cNvPr>
+          <p:cNvPicPr>
+            <a:picLocks noChangeAspect="1"/>
+          </p:cNvPicPr>
+          <p:nvPr/>
+        </p:nvPicPr>
+        <p:blipFill>
+          <a:blip r:embed="rId2"/>
+          <a:stretch>
+            <a:fillRect/>
+          </a:stretch>
+        </p:blipFill>
+        <p:spPr>
+          <a:xfrm>
+            <a:off x="2349500" y="1517650"/>
+            <a:ext cx="7493000" cy="3822700"/>
+          </a:xfrm>
+          <a:prstGeom prst="rect">
+            <a:avLst/>
+          </a:prstGeom>
+        </p:spPr>
+      </p:pic>
+    </p:spTree>
+    <p:extLst>
+      <p:ext uri="{BB962C8B-B14F-4D97-AF65-F5344CB8AC3E}">
+        <p14:creationId xmlns:p14="http://schemas.microsoft.com/office/powerpoint/2010/main" val="2579031993"/>
+      </p:ext>
+    </p:extLst>
+  </p:cSld>
+  <p:clrMapOvr>
+    <a:masterClrMapping/>
+  </p:clrMapOvr>
+</p:sld>
+</file>
+
+<file path=ppt/slides/slide13.xml><?xml version="1.0" encoding="utf-8"?>
+<p:sld xmlns:a="http://schemas.openxmlformats.org/drawingml/2006/main" xmlns:r="http://schemas.openxmlformats.org/officeDocument/2006/relationships" xmlns:p="http://schemas.openxmlformats.org/presentationml/2006/main">
+  <p:cSld>
+    <p:spTree>
+      <p:nvGrpSpPr>
+        <p:cNvPr id="1" name=""/>
+        <p:cNvGrpSpPr/>
+        <p:nvPr/>
+      </p:nvGrpSpPr>
+      <p:grpSpPr>
+        <a:xfrm>
+          <a:off x="0" y="0"/>
+          <a:ext cx="0" cy="0"/>
+          <a:chOff x="0" y="0"/>
+          <a:chExt cx="0" cy="0"/>
+        </a:xfrm>
+      </p:grpSpPr>
+      <p:sp>
+        <p:nvSpPr>
+          <p:cNvPr id="2" name="Title 1">
+            <a:extLst>
+              <a:ext uri="{FF2B5EF4-FFF2-40B4-BE49-F238E27FC236}">
+                <a16:creationId xmlns:a16="http://schemas.microsoft.com/office/drawing/2014/main" id="{2EDC5FDF-7B7B-24EA-36AE-B4A5C7EC122B}"/>
+              </a:ext>
+            </a:extLst>
+          </p:cNvPr>
+          <p:cNvSpPr>
+            <a:spLocks noGrp="1"/>
+          </p:cNvSpPr>
+          <p:nvPr>
+            <p:ph type="title"/>
+          </p:nvPr>
+        </p:nvSpPr>
+        <p:spPr/>
+        <p:txBody>
+          <a:bodyPr/>
+          <a:lstStyle/>
+          <a:p>
+            <a:endParaRPr lang="en-DE"/>
+          </a:p>
+        </p:txBody>
+      </p:sp>
+      <p:pic>
+        <p:nvPicPr>
+          <p:cNvPr id="6" name="Content Placeholder 5">
+            <a:extLst>
+              <a:ext uri="{FF2B5EF4-FFF2-40B4-BE49-F238E27FC236}">
+                <a16:creationId xmlns:a16="http://schemas.microsoft.com/office/drawing/2014/main" id="{666655D3-71CB-54F2-E263-5945971232A3}"/>
+              </a:ext>
+            </a:extLst>
+          </p:cNvPr>
+          <p:cNvPicPr>
+            <a:picLocks noGrp="1" noChangeAspect="1"/>
+          </p:cNvPicPr>
+          <p:nvPr>
+            <p:ph idx="1"/>
+          </p:nvPr>
+        </p:nvPicPr>
+        <p:blipFill>
+          <a:blip r:embed="rId2"/>
+          <a:stretch>
+            <a:fillRect/>
+          </a:stretch>
+        </p:blipFill>
+        <p:spPr>
+          <a:xfrm>
+            <a:off x="2476500" y="5008562"/>
+            <a:ext cx="7658100" cy="800100"/>
+          </a:xfrm>
+          <a:prstGeom prst="rect">
+            <a:avLst/>
+          </a:prstGeom>
+        </p:spPr>
+      </p:pic>
+      <p:pic>
+        <p:nvPicPr>
+          <p:cNvPr id="4" name="Picture 3">
+            <a:extLst>
+              <a:ext uri="{FF2B5EF4-FFF2-40B4-BE49-F238E27FC236}">
+                <a16:creationId xmlns:a16="http://schemas.microsoft.com/office/drawing/2014/main" id="{B92D4D6A-DE75-5CCA-917E-C8D5353C4D7D}"/>
+              </a:ext>
+            </a:extLst>
+          </p:cNvPr>
+          <p:cNvPicPr>
+            <a:picLocks noChangeAspect="1"/>
+          </p:cNvPicPr>
+          <p:nvPr/>
+        </p:nvPicPr>
+        <p:blipFill>
+          <a:blip r:embed="rId3"/>
+          <a:stretch>
+            <a:fillRect/>
+          </a:stretch>
+        </p:blipFill>
+        <p:spPr>
+          <a:xfrm>
+            <a:off x="2476500" y="2984500"/>
+            <a:ext cx="7239000" cy="889000"/>
+          </a:xfrm>
+          <a:prstGeom prst="rect">
+            <a:avLst/>
+          </a:prstGeom>
+        </p:spPr>
+      </p:pic>
+      <p:pic>
+        <p:nvPicPr>
+          <p:cNvPr id="5" name="Picture 4">
+            <a:extLst>
+              <a:ext uri="{FF2B5EF4-FFF2-40B4-BE49-F238E27FC236}">
+                <a16:creationId xmlns:a16="http://schemas.microsoft.com/office/drawing/2014/main" id="{CF8870CB-6F83-233C-8294-25FD53136942}"/>
+              </a:ext>
+            </a:extLst>
+          </p:cNvPr>
+          <p:cNvPicPr>
+            <a:picLocks noChangeAspect="1"/>
+          </p:cNvPicPr>
+          <p:nvPr/>
+        </p:nvPicPr>
+        <p:blipFill>
+          <a:blip r:embed="rId4"/>
+          <a:stretch>
+            <a:fillRect/>
+          </a:stretch>
+        </p:blipFill>
+        <p:spPr>
+          <a:xfrm>
+            <a:off x="2476500" y="4148931"/>
+            <a:ext cx="7404100" cy="584200"/>
+          </a:xfrm>
+          <a:prstGeom prst="rect">
+            <a:avLst/>
+          </a:prstGeom>
+        </p:spPr>
+      </p:pic>
+    </p:spTree>
+    <p:extLst>
+      <p:ext uri="{BB962C8B-B14F-4D97-AF65-F5344CB8AC3E}">
+        <p14:creationId xmlns:p14="http://schemas.microsoft.com/office/powerpoint/2010/main" val="2669994916"/>
+      </p:ext>
+    </p:extLst>
+  </p:cSld>
+  <p:clrMapOvr>
+    <a:masterClrMapping/>
+  </p:clrMapOvr>
+</p:sld>
+</file>
+
+<file path=ppt/slides/slide14.xml><?xml version="1.0" encoding="utf-8"?>
+<p:sld xmlns:a="http://schemas.openxmlformats.org/drawingml/2006/main" xmlns:r="http://schemas.openxmlformats.org/officeDocument/2006/relationships" xmlns:p="http://schemas.openxmlformats.org/presentationml/2006/main">
+  <p:cSld>
+    <p:spTree>
+      <p:nvGrpSpPr>
+        <p:cNvPr id="1" name=""/>
+        <p:cNvGrpSpPr/>
+        <p:nvPr/>
+      </p:nvGrpSpPr>
+      <p:grpSpPr>
+        <a:xfrm>
+          <a:off x="0" y="0"/>
+          <a:ext cx="0" cy="0"/>
+          <a:chOff x="0" y="0"/>
+          <a:chExt cx="0" cy="0"/>
+        </a:xfrm>
+      </p:grpSpPr>
+      <p:sp>
+        <p:nvSpPr>
+          <p:cNvPr id="2" name="Title 1">
+            <a:extLst>
+              <a:ext uri="{FF2B5EF4-FFF2-40B4-BE49-F238E27FC236}">
+                <a16:creationId xmlns:a16="http://schemas.microsoft.com/office/drawing/2014/main" id="{D768C78F-5E66-B7B4-222E-CE21A78FDFA8}"/>
+              </a:ext>
+            </a:extLst>
+          </p:cNvPr>
+          <p:cNvSpPr>
+            <a:spLocks noGrp="1"/>
+          </p:cNvSpPr>
+          <p:nvPr>
+            <p:ph type="title"/>
+          </p:nvPr>
+        </p:nvSpPr>
+        <p:spPr/>
+        <p:txBody>
+          <a:bodyPr/>
+          <a:lstStyle/>
+          <a:p>
+            <a:endParaRPr lang="en-DE"/>
+          </a:p>
+        </p:txBody>
+      </p:sp>
+      <p:sp>
+        <p:nvSpPr>
+          <p:cNvPr id="3" name="Content Placeholder 2">
+            <a:extLst>
+              <a:ext uri="{FF2B5EF4-FFF2-40B4-BE49-F238E27FC236}">
+                <a16:creationId xmlns:a16="http://schemas.microsoft.com/office/drawing/2014/main" id="{C897CFEF-F8F5-664C-9B12-7929786E5250}"/>
+              </a:ext>
+            </a:extLst>
+          </p:cNvPr>
+          <p:cNvSpPr>
+            <a:spLocks noGrp="1"/>
+          </p:cNvSpPr>
+          <p:nvPr>
+            <p:ph idx="1"/>
+          </p:nvPr>
+        </p:nvSpPr>
+        <p:spPr/>
+        <p:txBody>
+          <a:bodyPr/>
+          <a:lstStyle/>
+          <a:p>
+            <a:endParaRPr lang="en-DE"/>
+          </a:p>
+        </p:txBody>
+      </p:sp>
+      <p:pic>
+        <p:nvPicPr>
+          <p:cNvPr id="5" name="Picture 4">
+            <a:extLst>
+              <a:ext uri="{FF2B5EF4-FFF2-40B4-BE49-F238E27FC236}">
+                <a16:creationId xmlns:a16="http://schemas.microsoft.com/office/drawing/2014/main" id="{E7EF5309-5110-27DC-17BF-B6FF3F3E0C0D}"/>
+              </a:ext>
+            </a:extLst>
+          </p:cNvPr>
+          <p:cNvPicPr>
+            <a:picLocks noChangeAspect="1"/>
+          </p:cNvPicPr>
+          <p:nvPr/>
+        </p:nvPicPr>
+        <p:blipFill>
+          <a:blip r:embed="rId2"/>
+          <a:stretch>
+            <a:fillRect/>
+          </a:stretch>
+        </p:blipFill>
+        <p:spPr>
+          <a:xfrm>
+            <a:off x="349250" y="1816100"/>
+            <a:ext cx="11493500" cy="3225800"/>
+          </a:xfrm>
+          <a:prstGeom prst="rect">
+            <a:avLst/>
+          </a:prstGeom>
+        </p:spPr>
+      </p:pic>
+      <p:pic>
+        <p:nvPicPr>
+          <p:cNvPr id="6" name="Picture 5">
+            <a:extLst>
+              <a:ext uri="{FF2B5EF4-FFF2-40B4-BE49-F238E27FC236}">
+                <a16:creationId xmlns:a16="http://schemas.microsoft.com/office/drawing/2014/main" id="{85F62222-E2E2-03CF-2CB3-E95EDC158B4E}"/>
+              </a:ext>
+            </a:extLst>
+          </p:cNvPr>
+          <p:cNvPicPr>
+            <a:picLocks noChangeAspect="1"/>
+          </p:cNvPicPr>
+          <p:nvPr/>
+        </p:nvPicPr>
+        <p:blipFill>
+          <a:blip r:embed="rId3"/>
+          <a:stretch>
+            <a:fillRect/>
+          </a:stretch>
+        </p:blipFill>
+        <p:spPr>
+          <a:xfrm>
+            <a:off x="479879" y="6353175"/>
+            <a:ext cx="1587500" cy="279400"/>
+          </a:xfrm>
+          <a:prstGeom prst="rect">
+            <a:avLst/>
+          </a:prstGeom>
+        </p:spPr>
+      </p:pic>
+      <p:pic>
+        <p:nvPicPr>
+          <p:cNvPr id="7" name="Picture 6">
+            <a:extLst>
+              <a:ext uri="{FF2B5EF4-FFF2-40B4-BE49-F238E27FC236}">
+                <a16:creationId xmlns:a16="http://schemas.microsoft.com/office/drawing/2014/main" id="{90949BA7-B361-5D19-2124-AEBA0CFC36EF}"/>
+              </a:ext>
+            </a:extLst>
+          </p:cNvPr>
+          <p:cNvPicPr>
+            <a:picLocks noChangeAspect="1"/>
+          </p:cNvPicPr>
+          <p:nvPr/>
+        </p:nvPicPr>
+        <p:blipFill>
+          <a:blip r:embed="rId4"/>
+          <a:stretch>
+            <a:fillRect/>
+          </a:stretch>
+        </p:blipFill>
+        <p:spPr>
+          <a:xfrm>
+            <a:off x="479879" y="5635171"/>
+            <a:ext cx="6223000" cy="355600"/>
+          </a:xfrm>
+          <a:prstGeom prst="rect">
+            <a:avLst/>
+          </a:prstGeom>
+        </p:spPr>
+      </p:pic>
+    </p:spTree>
+    <p:extLst>
+      <p:ext uri="{BB962C8B-B14F-4D97-AF65-F5344CB8AC3E}">
+        <p14:creationId xmlns:p14="http://schemas.microsoft.com/office/powerpoint/2010/main" val="4011291992"/>
+      </p:ext>
+    </p:extLst>
+  </p:cSld>
+  <p:clrMapOvr>
+    <a:masterClrMapping/>
+  </p:clrMapOvr>
+</p:sld>
+</file>
+
+<file path=ppt/slides/slide2.xml><?xml version="1.0" encoding="utf-8"?>
+<p:sld xmlns:a="http://schemas.openxmlformats.org/drawingml/2006/main" xmlns:r="http://schemas.openxmlformats.org/officeDocument/2006/relationships" xmlns:p="http://schemas.openxmlformats.org/presentationml/2006/main">
+  <p:cSld>
+    <p:spTree>
+      <p:nvGrpSpPr>
+        <p:cNvPr id="1" name=""/>
+        <p:cNvGrpSpPr/>
+        <p:nvPr/>
+      </p:nvGrpSpPr>
+      <p:grpSpPr>
+        <a:xfrm>
+          <a:off x="0" y="0"/>
+          <a:ext cx="0" cy="0"/>
+          <a:chOff x="0" y="0"/>
+          <a:chExt cx="0" cy="0"/>
+        </a:xfrm>
+      </p:grpSpPr>
+      <p:sp>
+        <p:nvSpPr>
+          <p:cNvPr id="2" name="Title 1">
+            <a:extLst>
+              <a:ext uri="{FF2B5EF4-FFF2-40B4-BE49-F238E27FC236}">
+                <a16:creationId xmlns:a16="http://schemas.microsoft.com/office/drawing/2014/main" id="{BDB07B31-8BAA-6B7D-A453-4A3715BC06AC}"/>
+              </a:ext>
+            </a:extLst>
+          </p:cNvPr>
+          <p:cNvSpPr>
+            <a:spLocks noGrp="1"/>
+          </p:cNvSpPr>
+          <p:nvPr>
+            <p:ph type="title"/>
+          </p:nvPr>
+        </p:nvSpPr>
+        <p:spPr/>
+        <p:txBody>
+          <a:bodyPr/>
+          <a:lstStyle/>
+          <a:p>
+            <a:r>
+              <a:rPr lang="en-DE" dirty="0"/>
+              <a:t>Pattern Matching</a:t>
+            </a:r>
+          </a:p>
+        </p:txBody>
+      </p:sp>
+      <p:sp>
+        <p:nvSpPr>
+          <p:cNvPr id="3" name="Content Placeholder 2">
+            <a:extLst>
+              <a:ext uri="{FF2B5EF4-FFF2-40B4-BE49-F238E27FC236}">
+                <a16:creationId xmlns:a16="http://schemas.microsoft.com/office/drawing/2014/main" id="{73FEE907-0EA4-8A27-1770-65F05D29C99B}"/>
+              </a:ext>
+            </a:extLst>
+          </p:cNvPr>
+          <p:cNvSpPr>
+            <a:spLocks noGrp="1"/>
+          </p:cNvSpPr>
+          <p:nvPr>
+            <p:ph idx="1"/>
+          </p:nvPr>
+        </p:nvSpPr>
+        <p:spPr/>
+        <p:txBody>
+          <a:bodyPr/>
+          <a:lstStyle/>
+          <a:p>
+            <a:r>
+              <a:rPr lang="en-GB" dirty="0"/>
+              <a:t>JEP 394: Pattern Matching for </a:t>
+            </a:r>
+            <a:r>
+              <a:rPr lang="en-GB" dirty="0" err="1">
+                <a:latin typeface="Courier New" panose="02070309020205020404" pitchFamily="49" charset="0"/>
+                <a:cs typeface="Courier New" panose="02070309020205020404" pitchFamily="49" charset="0"/>
+              </a:rPr>
+              <a:t>instanceof</a:t>
+            </a:r>
+            <a:r>
+              <a:rPr lang="en-GB" dirty="0"/>
+              <a:t> (</a:t>
+            </a:r>
+            <a:r>
+              <a:rPr lang="en-GB" dirty="0">
+                <a:hlinkClick r:id="rId2"/>
+              </a:rPr>
+              <a:t>https://openjdk.org/jeps/394</a:t>
+            </a:r>
+            <a:r>
+              <a:rPr lang="en-GB" dirty="0"/>
+              <a:t>)</a:t>
+            </a:r>
+          </a:p>
+          <a:p>
+            <a:r>
+              <a:rPr lang="en-GB" dirty="0"/>
+              <a:t>JEP 427: Pattern Matching for switch (Third Preview) (</a:t>
+            </a:r>
+            <a:r>
+              <a:rPr lang="en-GB" dirty="0">
+                <a:hlinkClick r:id="rId3"/>
+              </a:rPr>
+              <a:t>https://openjdk.org/jeps/427</a:t>
+            </a:r>
+            <a:r>
+              <a:rPr lang="en-GB" dirty="0"/>
+              <a:t>)</a:t>
+            </a:r>
+            <a:endParaRPr lang="en-DE" dirty="0"/>
+          </a:p>
+        </p:txBody>
+      </p:sp>
+    </p:spTree>
+    <p:extLst>
+      <p:ext uri="{BB962C8B-B14F-4D97-AF65-F5344CB8AC3E}">
+        <p14:creationId xmlns:p14="http://schemas.microsoft.com/office/powerpoint/2010/main" val="1226792881"/>
+      </p:ext>
+    </p:extLst>
+  </p:cSld>
+  <p:clrMapOvr>
+    <a:masterClrMapping/>
+  </p:clrMapOvr>
+</p:sld>
+</file>
+
+<file path=ppt/slides/slide3.xml><?xml version="1.0" encoding="utf-8"?>
+<p:sld xmlns:a="http://schemas.openxmlformats.org/drawingml/2006/main" xmlns:r="http://schemas.openxmlformats.org/officeDocument/2006/relationships" xmlns:p="http://schemas.openxmlformats.org/presentationml/2006/main">
+  <p:cSld>
+    <p:spTree>
+      <p:nvGrpSpPr>
+        <p:cNvPr id="1" name=""/>
+        <p:cNvGrpSpPr/>
+        <p:nvPr/>
+      </p:nvGrpSpPr>
+      <p:grpSpPr>
+        <a:xfrm>
+          <a:off x="0" y="0"/>
+          <a:ext cx="0" cy="0"/>
+          <a:chOff x="0" y="0"/>
+          <a:chExt cx="0" cy="0"/>
+        </a:xfrm>
+      </p:grpSpPr>
+      <p:sp>
+        <p:nvSpPr>
+          <p:cNvPr id="6" name="Title 5">
+            <a:extLst>
+              <a:ext uri="{FF2B5EF4-FFF2-40B4-BE49-F238E27FC236}">
+                <a16:creationId xmlns:a16="http://schemas.microsoft.com/office/drawing/2014/main" id="{FE65CEC0-219E-4FD5-A1C5-8F851DC4E8AC}"/>
+              </a:ext>
+            </a:extLst>
+          </p:cNvPr>
+          <p:cNvSpPr>
+            <a:spLocks noGrp="1"/>
+          </p:cNvSpPr>
+          <p:nvPr>
+            <p:ph type="title"/>
+          </p:nvPr>
+        </p:nvSpPr>
+        <p:spPr/>
+        <p:txBody>
+          <a:bodyPr/>
+          <a:lstStyle/>
+          <a:p>
+            <a:r>
+              <a:rPr lang="en-DE" dirty="0">
+                <a:latin typeface="Courier New" panose="02070309020205020404" pitchFamily="49" charset="0"/>
+                <a:cs typeface="Courier New" panose="02070309020205020404" pitchFamily="49" charset="0"/>
+              </a:rPr>
+              <a:t>if</a:t>
+            </a:r>
+            <a:r>
+              <a:rPr lang="en-DE" dirty="0"/>
+              <a:t> Pattern Matching</a:t>
+            </a:r>
+          </a:p>
+        </p:txBody>
+      </p:sp>
+      <p:sp>
+        <p:nvSpPr>
+          <p:cNvPr id="7" name="Text Placeholder 6">
+            <a:extLst>
+              <a:ext uri="{FF2B5EF4-FFF2-40B4-BE49-F238E27FC236}">
+                <a16:creationId xmlns:a16="http://schemas.microsoft.com/office/drawing/2014/main" id="{391FB63B-AEC0-DB32-5B30-A7A19F7FB244}"/>
+              </a:ext>
+            </a:extLst>
+          </p:cNvPr>
+          <p:cNvSpPr>
+            <a:spLocks noGrp="1"/>
+          </p:cNvSpPr>
+          <p:nvPr>
+            <p:ph type="body" idx="1"/>
+          </p:nvPr>
+        </p:nvSpPr>
+        <p:spPr/>
+        <p:txBody>
+          <a:bodyPr/>
+          <a:lstStyle/>
+          <a:p>
+            <a:r>
+              <a:rPr lang="en-GB" dirty="0"/>
+              <a:t>JEP 394: Pattern Matching for </a:t>
+            </a:r>
+            <a:r>
+              <a:rPr lang="en-GB" dirty="0" err="1">
+                <a:latin typeface="Courier New" panose="02070309020205020404" pitchFamily="49" charset="0"/>
+                <a:cs typeface="Courier New" panose="02070309020205020404" pitchFamily="49" charset="0"/>
+              </a:rPr>
+              <a:t>instanceof</a:t>
+            </a:r>
+            <a:endParaRPr lang="en-DE" dirty="0">
+              <a:latin typeface="Courier New" panose="02070309020205020404" pitchFamily="49" charset="0"/>
+              <a:cs typeface="Courier New" panose="02070309020205020404" pitchFamily="49" charset="0"/>
+            </a:endParaRPr>
+          </a:p>
+        </p:txBody>
+      </p:sp>
+    </p:spTree>
+    <p:extLst>
+      <p:ext uri="{BB962C8B-B14F-4D97-AF65-F5344CB8AC3E}">
+        <p14:creationId xmlns:p14="http://schemas.microsoft.com/office/powerpoint/2010/main" val="1803485491"/>
+      </p:ext>
+    </p:extLst>
+  </p:cSld>
+  <p:clrMapOvr>
+    <a:masterClrMapping/>
+  </p:clrMapOvr>
+</p:sld>
+</file>
+
+<file path=ppt/slides/slide4.xml><?xml version="1.0" encoding="utf-8"?>
+<p:sld xmlns:a="http://schemas.openxmlformats.org/drawingml/2006/main" xmlns:r="http://schemas.openxmlformats.org/officeDocument/2006/relationships" xmlns:p="http://schemas.openxmlformats.org/presentationml/2006/main">
+  <p:cSld>
+    <p:spTree>
+      <p:nvGrpSpPr>
+        <p:cNvPr id="1" name=""/>
+        <p:cNvGrpSpPr/>
+        <p:nvPr/>
+      </p:nvGrpSpPr>
+      <p:grpSpPr>
+        <a:xfrm>
+          <a:off x="0" y="0"/>
+          <a:ext cx="0" cy="0"/>
+          <a:chOff x="0" y="0"/>
+          <a:chExt cx="0" cy="0"/>
+        </a:xfrm>
+      </p:grpSpPr>
+      <p:sp>
+        <p:nvSpPr>
+          <p:cNvPr id="5" name="Rectangle 4">
+            <a:extLst>
+              <a:ext uri="{FF2B5EF4-FFF2-40B4-BE49-F238E27FC236}">
+                <a16:creationId xmlns:a16="http://schemas.microsoft.com/office/drawing/2014/main" id="{EF61F8CA-904E-3494-7F4D-A623A040F336}"/>
+              </a:ext>
+            </a:extLst>
+          </p:cNvPr>
+          <p:cNvSpPr/>
+          <p:nvPr/>
+        </p:nvSpPr>
+        <p:spPr>
+          <a:xfrm>
+            <a:off x="838200" y="1820254"/>
+            <a:ext cx="10515600" cy="4358355"/>
+          </a:xfrm>
+          <a:prstGeom prst="rect">
+            <a:avLst/>
+          </a:prstGeom>
+          <a:solidFill>
+            <a:schemeClr val="bg1"/>
+          </a:solidFill>
+          <a:ln>
+            <a:solidFill>
+              <a:schemeClr val="tx1"/>
+            </a:solidFill>
+          </a:ln>
+        </p:spPr>
+        <p:style>
+          <a:lnRef idx="2">
+            <a:schemeClr val="accent1">
+              <a:shade val="50000"/>
+            </a:schemeClr>
+          </a:lnRef>
+          <a:fillRef idx="1">
+            <a:schemeClr val="accent1"/>
+          </a:fillRef>
+          <a:effectRef idx="0">
+            <a:schemeClr val="accent1"/>
+          </a:effectRef>
+          <a:fontRef idx="minor">
+            <a:schemeClr val="lt1"/>
+          </a:fontRef>
+        </p:style>
+        <p:txBody>
+          <a:bodyPr rtlCol="0" anchor="ctr"/>
+          <a:lstStyle/>
+          <a:p>
+            <a:pPr algn="ctr"/>
+            <a:endParaRPr lang="en-DE"/>
+          </a:p>
+        </p:txBody>
+      </p:sp>
+      <p:sp>
+        <p:nvSpPr>
+          <p:cNvPr id="2" name="Title 1">
+            <a:extLst>
+              <a:ext uri="{FF2B5EF4-FFF2-40B4-BE49-F238E27FC236}">
+                <a16:creationId xmlns:a16="http://schemas.microsoft.com/office/drawing/2014/main" id="{E342CAFE-A4B2-9BAD-3DF6-4ECF4D58807D}"/>
+              </a:ext>
+            </a:extLst>
+          </p:cNvPr>
+          <p:cNvSpPr>
+            <a:spLocks noGrp="1"/>
+          </p:cNvSpPr>
+          <p:nvPr>
+            <p:ph type="title"/>
+          </p:nvPr>
+        </p:nvSpPr>
+        <p:spPr/>
+        <p:txBody>
+          <a:bodyPr/>
+          <a:lstStyle/>
+          <a:p>
+            <a:r>
+              <a:rPr lang="en-DE" dirty="0"/>
+              <a:t>Traditional </a:t>
+            </a:r>
+            <a:r>
+              <a:rPr lang="en-DE" dirty="0">
+                <a:latin typeface="Courier New" panose="02070309020205020404" pitchFamily="49" charset="0"/>
+                <a:cs typeface="Courier New" panose="02070309020205020404" pitchFamily="49" charset="0"/>
+              </a:rPr>
+              <a:t>equals()</a:t>
+            </a:r>
+            <a:r>
+              <a:rPr lang="en-DE" dirty="0"/>
+              <a:t> method</a:t>
+            </a:r>
+          </a:p>
+        </p:txBody>
+      </p:sp>
+      <p:pic>
+        <p:nvPicPr>
+          <p:cNvPr id="4" name="Picture 3">
+            <a:extLst>
+              <a:ext uri="{FF2B5EF4-FFF2-40B4-BE49-F238E27FC236}">
+                <a16:creationId xmlns:a16="http://schemas.microsoft.com/office/drawing/2014/main" id="{BEB8AA13-1705-FF55-D150-A93768BB0B41}"/>
+              </a:ext>
+            </a:extLst>
+          </p:cNvPr>
+          <p:cNvPicPr>
+            <a:picLocks noChangeAspect="1"/>
+          </p:cNvPicPr>
+          <p:nvPr/>
+        </p:nvPicPr>
+        <p:blipFill rotWithShape="1">
+          <a:blip r:embed="rId2"/>
+          <a:srcRect l="1876" t="3581"/>
+          <a:stretch/>
+        </p:blipFill>
+        <p:spPr>
+          <a:xfrm>
+            <a:off x="1541235" y="1978961"/>
+            <a:ext cx="9109529" cy="4040940"/>
+          </a:xfrm>
+          <a:prstGeom prst="rect">
+            <a:avLst/>
+          </a:prstGeom>
+        </p:spPr>
+      </p:pic>
+    </p:spTree>
+    <p:extLst>
+      <p:ext uri="{BB962C8B-B14F-4D97-AF65-F5344CB8AC3E}">
+        <p14:creationId xmlns:p14="http://schemas.microsoft.com/office/powerpoint/2010/main" val="663680055"/>
+      </p:ext>
+    </p:extLst>
+  </p:cSld>
+  <p:clrMapOvr>
+    <a:masterClrMapping/>
+  </p:clrMapOvr>
+</p:sld>
+</file>
+
+<file path=ppt/slides/slide5.xml><?xml version="1.0" encoding="utf-8"?>
+<p:sld xmlns:a="http://schemas.openxmlformats.org/drawingml/2006/main" xmlns:r="http://schemas.openxmlformats.org/officeDocument/2006/relationships" xmlns:p="http://schemas.openxmlformats.org/presentationml/2006/main">
+  <p:cSld>
+    <p:spTree>
+      <p:nvGrpSpPr>
+        <p:cNvPr id="1" name=""/>
+        <p:cNvGrpSpPr/>
+        <p:nvPr/>
+      </p:nvGrpSpPr>
+      <p:grpSpPr>
+        <a:xfrm>
+          <a:off x="0" y="0"/>
+          <a:ext cx="0" cy="0"/>
+          <a:chOff x="0" y="0"/>
+          <a:chExt cx="0" cy="0"/>
+        </a:xfrm>
+      </p:grpSpPr>
+      <p:sp>
+        <p:nvSpPr>
+          <p:cNvPr id="5" name="Rectangle 4">
+            <a:extLst>
+              <a:ext uri="{FF2B5EF4-FFF2-40B4-BE49-F238E27FC236}">
+                <a16:creationId xmlns:a16="http://schemas.microsoft.com/office/drawing/2014/main" id="{C17BD889-D041-6D39-4216-6B794B44333A}"/>
+              </a:ext>
+            </a:extLst>
+          </p:cNvPr>
+          <p:cNvSpPr/>
+          <p:nvPr/>
+        </p:nvSpPr>
+        <p:spPr>
+          <a:xfrm>
+            <a:off x="838200" y="1820254"/>
+            <a:ext cx="10515600" cy="4358355"/>
+          </a:xfrm>
+          <a:prstGeom prst="rect">
+            <a:avLst/>
+          </a:prstGeom>
+          <a:solidFill>
+            <a:schemeClr val="bg1"/>
+          </a:solidFill>
+          <a:ln>
+            <a:solidFill>
+              <a:schemeClr val="tx1"/>
+            </a:solidFill>
+          </a:ln>
+        </p:spPr>
+        <p:style>
+          <a:lnRef idx="2">
+            <a:schemeClr val="accent1">
+              <a:shade val="50000"/>
+            </a:schemeClr>
+          </a:lnRef>
+          <a:fillRef idx="1">
+            <a:schemeClr val="accent1"/>
+          </a:fillRef>
+          <a:effectRef idx="0">
+            <a:schemeClr val="accent1"/>
+          </a:effectRef>
+          <a:fontRef idx="minor">
+            <a:schemeClr val="lt1"/>
+          </a:fontRef>
+        </p:style>
+        <p:txBody>
+          <a:bodyPr rtlCol="0" anchor="ctr"/>
+          <a:lstStyle/>
+          <a:p>
+            <a:pPr algn="ctr"/>
+            <a:endParaRPr lang="en-DE"/>
+          </a:p>
+        </p:txBody>
+      </p:sp>
+      <p:sp>
+        <p:nvSpPr>
+          <p:cNvPr id="2" name="Title 1">
+            <a:extLst>
+              <a:ext uri="{FF2B5EF4-FFF2-40B4-BE49-F238E27FC236}">
+                <a16:creationId xmlns:a16="http://schemas.microsoft.com/office/drawing/2014/main" id="{55744F9E-108B-8CE4-CBD5-3C27134ABF3C}"/>
+              </a:ext>
+            </a:extLst>
+          </p:cNvPr>
+          <p:cNvSpPr>
+            <a:spLocks noGrp="1"/>
+          </p:cNvSpPr>
+          <p:nvPr>
+            <p:ph type="title"/>
+          </p:nvPr>
+        </p:nvSpPr>
+        <p:spPr/>
+        <p:txBody>
+          <a:bodyPr/>
+          <a:lstStyle/>
+          <a:p>
+            <a:r>
+              <a:rPr lang="en-DE" dirty="0"/>
+              <a:t>Simplified </a:t>
+            </a:r>
+            <a:r>
+              <a:rPr lang="en-DE" dirty="0">
+                <a:latin typeface="Courier New" panose="02070309020205020404" pitchFamily="49" charset="0"/>
+                <a:cs typeface="Courier New" panose="02070309020205020404" pitchFamily="49" charset="0"/>
+              </a:rPr>
+              <a:t>equals()</a:t>
+            </a:r>
+            <a:r>
+              <a:rPr lang="en-DE" dirty="0"/>
+              <a:t> method </a:t>
+            </a:r>
+          </a:p>
+        </p:txBody>
+      </p:sp>
+      <p:pic>
+        <p:nvPicPr>
+          <p:cNvPr id="4" name="Picture 3">
+            <a:extLst>
+              <a:ext uri="{FF2B5EF4-FFF2-40B4-BE49-F238E27FC236}">
+                <a16:creationId xmlns:a16="http://schemas.microsoft.com/office/drawing/2014/main" id="{F3A613C5-5279-97FC-1778-1384D9EB8FC2}"/>
+              </a:ext>
+            </a:extLst>
+          </p:cNvPr>
+          <p:cNvPicPr>
+            <a:picLocks noChangeAspect="1"/>
+          </p:cNvPicPr>
+          <p:nvPr/>
+        </p:nvPicPr>
+        <p:blipFill rotWithShape="1">
+          <a:blip r:embed="rId3"/>
+          <a:srcRect l="3667" t="6091" r="5844" b="8251"/>
+          <a:stretch/>
+        </p:blipFill>
+        <p:spPr>
+          <a:xfrm>
+            <a:off x="2539926" y="2831675"/>
+            <a:ext cx="7112148" cy="2328153"/>
+          </a:xfrm>
+          <a:prstGeom prst="rect">
+            <a:avLst/>
+          </a:prstGeom>
+        </p:spPr>
+      </p:pic>
+    </p:spTree>
+    <p:extLst>
+      <p:ext uri="{BB962C8B-B14F-4D97-AF65-F5344CB8AC3E}">
+        <p14:creationId xmlns:p14="http://schemas.microsoft.com/office/powerpoint/2010/main" val="3894396843"/>
+      </p:ext>
+    </p:extLst>
+  </p:cSld>
+  <p:clrMapOvr>
+    <a:masterClrMapping/>
+  </p:clrMapOvr>
+</p:sld>
+</file>
+
+<file path=ppt/slides/slide6.xml><?xml version="1.0" encoding="utf-8"?>
+<p:sld xmlns:a="http://schemas.openxmlformats.org/drawingml/2006/main" xmlns:r="http://schemas.openxmlformats.org/officeDocument/2006/relationships" xmlns:p="http://schemas.openxmlformats.org/presentationml/2006/main">
+  <p:cSld>
+    <p:spTree>
+      <p:nvGrpSpPr>
+        <p:cNvPr id="1" name=""/>
+        <p:cNvGrpSpPr/>
+        <p:nvPr/>
+      </p:nvGrpSpPr>
+      <p:grpSpPr>
+        <a:xfrm>
+          <a:off x="0" y="0"/>
+          <a:ext cx="0" cy="0"/>
+          <a:chOff x="0" y="0"/>
+          <a:chExt cx="0" cy="0"/>
+        </a:xfrm>
+      </p:grpSpPr>
+      <p:sp>
+        <p:nvSpPr>
+          <p:cNvPr id="5" name="Rectangle 4">
+            <a:extLst>
+              <a:ext uri="{FF2B5EF4-FFF2-40B4-BE49-F238E27FC236}">
+                <a16:creationId xmlns:a16="http://schemas.microsoft.com/office/drawing/2014/main" id="{69A27201-EBE5-829E-CFC1-9D04E5497F5C}"/>
+              </a:ext>
+            </a:extLst>
+          </p:cNvPr>
+          <p:cNvSpPr/>
+          <p:nvPr/>
+        </p:nvSpPr>
+        <p:spPr>
+          <a:xfrm>
+            <a:off x="838200" y="1820254"/>
+            <a:ext cx="10515600" cy="4358355"/>
+          </a:xfrm>
+          <a:prstGeom prst="rect">
+            <a:avLst/>
+          </a:prstGeom>
+          <a:solidFill>
+            <a:schemeClr val="bg1"/>
+          </a:solidFill>
+          <a:ln>
+            <a:solidFill>
+              <a:schemeClr val="tx1"/>
+            </a:solidFill>
+          </a:ln>
+        </p:spPr>
+        <p:style>
+          <a:lnRef idx="2">
+            <a:schemeClr val="accent1">
+              <a:shade val="50000"/>
+            </a:schemeClr>
+          </a:lnRef>
+          <a:fillRef idx="1">
+            <a:schemeClr val="accent1"/>
+          </a:fillRef>
+          <a:effectRef idx="0">
+            <a:schemeClr val="accent1"/>
+          </a:effectRef>
+          <a:fontRef idx="minor">
+            <a:schemeClr val="lt1"/>
+          </a:fontRef>
+        </p:style>
+        <p:txBody>
+          <a:bodyPr rtlCol="0" anchor="ctr"/>
+          <a:lstStyle/>
+          <a:p>
+            <a:pPr algn="ctr"/>
+            <a:endParaRPr lang="en-DE"/>
+          </a:p>
+        </p:txBody>
+      </p:sp>
+      <p:sp>
+        <p:nvSpPr>
+          <p:cNvPr id="2" name="Title 1">
+            <a:extLst>
+              <a:ext uri="{FF2B5EF4-FFF2-40B4-BE49-F238E27FC236}">
+                <a16:creationId xmlns:a16="http://schemas.microsoft.com/office/drawing/2014/main" id="{88C04247-5704-0E3C-85C0-DB8C724390C1}"/>
+              </a:ext>
+            </a:extLst>
+          </p:cNvPr>
+          <p:cNvSpPr>
+            <a:spLocks noGrp="1"/>
+          </p:cNvSpPr>
+          <p:nvPr>
+            <p:ph type="title"/>
+          </p:nvPr>
+        </p:nvSpPr>
+        <p:spPr/>
+        <p:txBody>
+          <a:bodyPr/>
+          <a:lstStyle/>
+          <a:p>
+            <a:r>
+              <a:rPr lang="en-GB" dirty="0"/>
+              <a:t>Flow Scoping</a:t>
+            </a:r>
+            <a:endParaRPr lang="en-DE" dirty="0"/>
+          </a:p>
+        </p:txBody>
+      </p:sp>
+      <p:pic>
+        <p:nvPicPr>
+          <p:cNvPr id="4" name="Picture 3">
+            <a:extLst>
+              <a:ext uri="{FF2B5EF4-FFF2-40B4-BE49-F238E27FC236}">
+                <a16:creationId xmlns:a16="http://schemas.microsoft.com/office/drawing/2014/main" id="{CEE915E1-BB06-4B47-8F1E-9ED552F3424F}"/>
+              </a:ext>
+            </a:extLst>
+          </p:cNvPr>
+          <p:cNvPicPr>
+            <a:picLocks noChangeAspect="1"/>
+          </p:cNvPicPr>
+          <p:nvPr/>
+        </p:nvPicPr>
+        <p:blipFill rotWithShape="1">
+          <a:blip r:embed="rId2"/>
+          <a:srcRect l="2817" t="2737" r="2817" b="6629"/>
+          <a:stretch/>
+        </p:blipFill>
+        <p:spPr>
+          <a:xfrm>
+            <a:off x="990600" y="1864243"/>
+            <a:ext cx="10210800" cy="4270375"/>
+          </a:xfrm>
+          <a:prstGeom prst="rect">
+            <a:avLst/>
+          </a:prstGeom>
+        </p:spPr>
+      </p:pic>
+      <p:sp>
+        <p:nvSpPr>
+          <p:cNvPr id="6" name="Rectangle 5">
+            <a:extLst>
+              <a:ext uri="{FF2B5EF4-FFF2-40B4-BE49-F238E27FC236}">
+                <a16:creationId xmlns:a16="http://schemas.microsoft.com/office/drawing/2014/main" id="{29102440-2228-9629-AE7B-9329CC6F6246}"/>
+              </a:ext>
+            </a:extLst>
+          </p:cNvPr>
+          <p:cNvSpPr/>
+          <p:nvPr/>
+        </p:nvSpPr>
+        <p:spPr>
+          <a:xfrm>
+            <a:off x="6477711" y="3973286"/>
+            <a:ext cx="1262031" cy="413657"/>
+          </a:xfrm>
+          <a:prstGeom prst="rect">
+            <a:avLst/>
+          </a:prstGeom>
+          <a:noFill/>
+          <a:ln w="38100">
+            <a:solidFill>
+              <a:schemeClr val="accent2"/>
+            </a:solidFill>
+          </a:ln>
+        </p:spPr>
+        <p:style>
+          <a:lnRef idx="2">
+            <a:schemeClr val="accent1">
+              <a:shade val="50000"/>
+            </a:schemeClr>
+          </a:lnRef>
+          <a:fillRef idx="1">
+            <a:schemeClr val="accent1"/>
+          </a:fillRef>
+          <a:effectRef idx="0">
+            <a:schemeClr val="accent1"/>
+          </a:effectRef>
+          <a:fontRef idx="minor">
+            <a:schemeClr val="lt1"/>
+          </a:fontRef>
+        </p:style>
+        <p:txBody>
+          <a:bodyPr rtlCol="0" anchor="ctr"/>
+          <a:lstStyle/>
+          <a:p>
+            <a:pPr algn="ctr"/>
+            <a:endParaRPr lang="en-DE"/>
+          </a:p>
+        </p:txBody>
+      </p:sp>
+      <p:sp>
+        <p:nvSpPr>
+          <p:cNvPr id="7" name="Rectangle 6">
+            <a:extLst>
+              <a:ext uri="{FF2B5EF4-FFF2-40B4-BE49-F238E27FC236}">
+                <a16:creationId xmlns:a16="http://schemas.microsoft.com/office/drawing/2014/main" id="{683BEA1A-E298-FC44-524F-84AED58E254D}"/>
+              </a:ext>
+            </a:extLst>
+          </p:cNvPr>
+          <p:cNvSpPr/>
+          <p:nvPr/>
+        </p:nvSpPr>
+        <p:spPr>
+          <a:xfrm>
+            <a:off x="2622133" y="5458830"/>
+            <a:ext cx="8487400" cy="413657"/>
+          </a:xfrm>
+          <a:prstGeom prst="rect">
+            <a:avLst/>
+          </a:prstGeom>
+          <a:noFill/>
+          <a:ln w="38100">
+            <a:solidFill>
+              <a:schemeClr val="accent2"/>
+            </a:solidFill>
+          </a:ln>
+        </p:spPr>
+        <p:style>
+          <a:lnRef idx="2">
+            <a:schemeClr val="accent1">
+              <a:shade val="50000"/>
+            </a:schemeClr>
+          </a:lnRef>
+          <a:fillRef idx="1">
+            <a:schemeClr val="accent1"/>
+          </a:fillRef>
+          <a:effectRef idx="0">
+            <a:schemeClr val="accent1"/>
+          </a:effectRef>
+          <a:fontRef idx="minor">
+            <a:schemeClr val="lt1"/>
+          </a:fontRef>
+        </p:style>
+        <p:txBody>
+          <a:bodyPr rtlCol="0" anchor="ctr"/>
+          <a:lstStyle/>
+          <a:p>
+            <a:pPr algn="ctr"/>
+            <a:endParaRPr lang="en-DE"/>
+          </a:p>
+        </p:txBody>
+      </p:sp>
+      <p:cxnSp>
+        <p:nvCxnSpPr>
+          <p:cNvPr id="9" name="Curved Connector 8">
+            <a:extLst>
+              <a:ext uri="{FF2B5EF4-FFF2-40B4-BE49-F238E27FC236}">
+                <a16:creationId xmlns:a16="http://schemas.microsoft.com/office/drawing/2014/main" id="{016CCA8B-6587-E725-6D09-2D7594D3028C}"/>
+              </a:ext>
+            </a:extLst>
+          </p:cNvPr>
+          <p:cNvCxnSpPr>
+            <a:stCxn id="6" idx="3"/>
+          </p:cNvCxnSpPr>
+          <p:nvPr/>
+        </p:nvCxnSpPr>
+        <p:spPr>
+          <a:xfrm>
+            <a:off x="7739742" y="4180115"/>
+            <a:ext cx="1113701" cy="1278715"/>
+          </a:xfrm>
+          <a:prstGeom prst="curvedConnector2">
+            <a:avLst/>
+          </a:prstGeom>
+          <a:ln w="38100">
+            <a:solidFill>
+              <a:schemeClr val="accent2"/>
+            </a:solidFill>
+            <a:tailEnd type="triangle"/>
+          </a:ln>
+        </p:spPr>
+        <p:style>
+          <a:lnRef idx="1">
+            <a:schemeClr val="accent1"/>
+          </a:lnRef>
+          <a:fillRef idx="0">
+            <a:schemeClr val="accent1"/>
+          </a:fillRef>
+          <a:effectRef idx="0">
+            <a:schemeClr val="accent1"/>
+          </a:effectRef>
+          <a:fontRef idx="minor">
+            <a:schemeClr val="tx1"/>
+          </a:fontRef>
+        </p:style>
+      </p:cxnSp>
+    </p:spTree>
+    <p:extLst>
+      <p:ext uri="{BB962C8B-B14F-4D97-AF65-F5344CB8AC3E}">
+        <p14:creationId xmlns:p14="http://schemas.microsoft.com/office/powerpoint/2010/main" val="3109150412"/>
+      </p:ext>
+    </p:extLst>
+  </p:cSld>
+  <p:clrMapOvr>
+    <a:masterClrMapping/>
+  </p:clrMapOvr>
+  <p:timing>
+    <p:tnLst>
+      <p:par>
+        <p:cTn id="1" dur="indefinite" restart="never" nodeType="tmRoot">
+          <p:childTnLst>
+            <p:seq concurrent="1" nextAc="seek">
+              <p:cTn id="2" dur="indefinite" nodeType="mainSeq">
+                <p:childTnLst>
+                  <p:par>
+                    <p:cTn id="3" fill="hold">
+                      <p:stCondLst>
+                        <p:cond delay="indefinite"/>
+                      </p:stCondLst>
+                      <p:childTnLst>
+                        <p:par>
+                          <p:cTn id="4" fill="hold">
+                            <p:stCondLst>
+                              <p:cond delay="0"/>
+                            </p:stCondLst>
+                            <p:childTnLst>
+                              <p:par>
+                                <p:cTn id="5" presetID="1" presetClass="entr" presetSubtype="0" fill="hold" grpId="0" nodeType="clickEffect">
+                                  <p:stCondLst>
+                                    <p:cond delay="0"/>
+                                  </p:stCondLst>
+                                  <p:childTnLst>
+                                    <p:set>
+                                      <p:cBhvr>
+                                        <p:cTn id="6" dur="1" fill="hold">
+                                          <p:stCondLst>
+                                            <p:cond delay="0"/>
+                                          </p:stCondLst>
+                                        </p:cTn>
+                                        <p:tgtEl>
+                                          <p:spTgt spid="6"/>
+                                        </p:tgtEl>
+                                        <p:attrNameLst>
+                                          <p:attrName>style.visibility</p:attrName>
+                                        </p:attrNameLst>
+                                      </p:cBhvr>
+                                      <p:to>
+                                        <p:strVal val="visible"/>
+                                      </p:to>
+                                    </p:set>
+                                  </p:childTnLst>
+                                </p:cTn>
+                              </p:par>
+                            </p:childTnLst>
+                          </p:cTn>
+                        </p:par>
+                        <p:par>
+                          <p:cTn id="7" fill="hold">
+                            <p:stCondLst>
+                              <p:cond delay="0"/>
+                            </p:stCondLst>
+                            <p:childTnLst>
+                              <p:par>
+                                <p:cTn id="8" presetID="1" presetClass="entr" presetSubtype="0" fill="hold" nodeType="afterEffect">
+                                  <p:stCondLst>
+                                    <p:cond delay="500"/>
+                                  </p:stCondLst>
+                                  <p:childTnLst>
+                                    <p:set>
+                                      <p:cBhvr>
+                                        <p:cTn id="9" dur="1" fill="hold">
+                                          <p:stCondLst>
+                                            <p:cond delay="0"/>
+                                          </p:stCondLst>
+                                        </p:cTn>
+                                        <p:tgtEl>
+                                          <p:spTgt spid="9"/>
+                                        </p:tgtEl>
+                                        <p:attrNameLst>
+                                          <p:attrName>style.visibility</p:attrName>
+                                        </p:attrNameLst>
+                                      </p:cBhvr>
+                                      <p:to>
+                                        <p:strVal val="visible"/>
+                                      </p:to>
+                                    </p:set>
+                                  </p:childTnLst>
+                                </p:cTn>
+                              </p:par>
+                            </p:childTnLst>
+                          </p:cTn>
+                        </p:par>
+                        <p:par>
+                          <p:cTn id="10" fill="hold">
+                            <p:stCondLst>
+                              <p:cond delay="500"/>
+                            </p:stCondLst>
+                            <p:childTnLst>
+                              <p:par>
+                                <p:cTn id="11" presetID="1" presetClass="entr" presetSubtype="0" fill="hold" grpId="0" nodeType="afterEffect">
+                                  <p:stCondLst>
+                                    <p:cond delay="500"/>
+                                  </p:stCondLst>
+                                  <p:childTnLst>
+                                    <p:set>
+                                      <p:cBhvr>
+                                        <p:cTn id="12" dur="1" fill="hold">
+                                          <p:stCondLst>
+                                            <p:cond delay="0"/>
+                                          </p:stCondLst>
+                                        </p:cTn>
+                                        <p:tgtEl>
+                                          <p:spTgt spid="7"/>
+                                        </p:tgtEl>
+                                        <p:attrNameLst>
+                                          <p:attrName>style.visibility</p:attrName>
+                                        </p:attrNameLst>
+                                      </p:cBhvr>
+                                      <p:to>
+                                        <p:strVal val="visible"/>
+                                      </p:to>
+                                    </p:set>
+                                  </p:childTnLst>
+                                </p:cTn>
+                              </p:par>
+                            </p:childTnLst>
+                          </p:cTn>
+                        </p:par>
+                      </p:childTnLst>
+                    </p:cTn>
+                  </p:par>
+                </p:childTnLst>
+              </p:cTn>
+              <p:prevCondLst>
+                <p:cond evt="onPrev" delay="0">
+                  <p:tgtEl>
+                    <p:sldTgt/>
+                  </p:tgtEl>
+                </p:cond>
+              </p:prevCondLst>
+              <p:nextCondLst>
+                <p:cond evt="onNext" delay="0">
+                  <p:tgtEl>
+                    <p:sldTgt/>
+                  </p:tgtEl>
+                </p:cond>
+              </p:nextCondLst>
+            </p:seq>
+          </p:childTnLst>
+        </p:cTn>
+      </p:par>
+    </p:tnLst>
+    <p:bldLst>
+      <p:bldP spid="6" grpId="0" animBg="1"/>
+      <p:bldP spid="7" grpId="0" animBg="1"/>
+    </p:bldLst>
+  </p:timing>
+</p:sld>
+</file>
+
+<file path=ppt/slides/slide7.xml><?xml version="1.0" encoding="utf-8"?>
+<p:sld xmlns:a="http://schemas.openxmlformats.org/drawingml/2006/main" xmlns:r="http://schemas.openxmlformats.org/officeDocument/2006/relationships" xmlns:p="http://schemas.openxmlformats.org/presentationml/2006/main">
+  <p:cSld>
+    <p:spTree>
+      <p:nvGrpSpPr>
+        <p:cNvPr id="1" name=""/>
+        <p:cNvGrpSpPr/>
+        <p:nvPr/>
+      </p:nvGrpSpPr>
+      <p:grpSpPr>
+        <a:xfrm>
+          <a:off x="0" y="0"/>
+          <a:ext cx="0" cy="0"/>
+          <a:chOff x="0" y="0"/>
+          <a:chExt cx="0" cy="0"/>
+        </a:xfrm>
+      </p:grpSpPr>
+      <p:sp>
+        <p:nvSpPr>
+          <p:cNvPr id="4" name="Title 3">
+            <a:extLst>
+              <a:ext uri="{FF2B5EF4-FFF2-40B4-BE49-F238E27FC236}">
+                <a16:creationId xmlns:a16="http://schemas.microsoft.com/office/drawing/2014/main" id="{05B2BD0A-47DA-A252-0D59-39D7393C54CD}"/>
+              </a:ext>
+            </a:extLst>
+          </p:cNvPr>
+          <p:cNvSpPr>
+            <a:spLocks noGrp="1"/>
+          </p:cNvSpPr>
+          <p:nvPr>
+            <p:ph type="title"/>
+          </p:nvPr>
+        </p:nvSpPr>
+        <p:spPr/>
+        <p:txBody>
+          <a:bodyPr/>
+          <a:lstStyle/>
+          <a:p>
+            <a:r>
+              <a:rPr lang="en-DE" dirty="0">
+                <a:latin typeface="Courier New" panose="02070309020205020404" pitchFamily="49" charset="0"/>
+                <a:cs typeface="Courier New" panose="02070309020205020404" pitchFamily="49" charset="0"/>
+              </a:rPr>
+              <a:t>switch</a:t>
+            </a:r>
+            <a:r>
+              <a:rPr lang="en-DE" dirty="0"/>
+              <a:t> Pattern Matching</a:t>
+            </a:r>
+          </a:p>
+        </p:txBody>
+      </p:sp>
+      <p:sp>
+        <p:nvSpPr>
+          <p:cNvPr id="5" name="Text Placeholder 4">
+            <a:extLst>
+              <a:ext uri="{FF2B5EF4-FFF2-40B4-BE49-F238E27FC236}">
+                <a16:creationId xmlns:a16="http://schemas.microsoft.com/office/drawing/2014/main" id="{5E9D11BE-C151-B737-A515-BC3355EE1953}"/>
+              </a:ext>
+            </a:extLst>
+          </p:cNvPr>
+          <p:cNvSpPr>
+            <a:spLocks noGrp="1"/>
+          </p:cNvSpPr>
+          <p:nvPr>
+            <p:ph type="body" idx="1"/>
+          </p:nvPr>
+        </p:nvSpPr>
+        <p:spPr/>
+        <p:txBody>
+          <a:bodyPr/>
+          <a:lstStyle/>
+          <a:p>
+            <a:r>
+              <a:rPr lang="en-GB" dirty="0"/>
+              <a:t>JEP 427: Pattern Matching for switch (Third Preview)</a:t>
+            </a:r>
+            <a:endParaRPr lang="en-DE" dirty="0"/>
+          </a:p>
+        </p:txBody>
+      </p:sp>
+    </p:spTree>
+    <p:extLst>
+      <p:ext uri="{BB962C8B-B14F-4D97-AF65-F5344CB8AC3E}">
+        <p14:creationId xmlns:p14="http://schemas.microsoft.com/office/powerpoint/2010/main" val="583911845"/>
+      </p:ext>
+    </p:extLst>
+  </p:cSld>
+  <p:clrMapOvr>
+    <a:masterClrMapping/>
+  </p:clrMapOvr>
+</p:sld>
+</file>
+
+<file path=ppt/slides/slide8.xml><?xml version="1.0" encoding="utf-8"?>
+<p:sld xmlns:a="http://schemas.openxmlformats.org/drawingml/2006/main" xmlns:r="http://schemas.openxmlformats.org/officeDocument/2006/relationships" xmlns:p="http://schemas.openxmlformats.org/presentationml/2006/main">
+  <p:cSld>
+    <p:spTree>
+      <p:nvGrpSpPr>
+        <p:cNvPr id="1" name=""/>
+        <p:cNvGrpSpPr/>
+        <p:nvPr/>
+      </p:nvGrpSpPr>
+      <p:grpSpPr>
+        <a:xfrm>
+          <a:off x="0" y="0"/>
+          <a:ext cx="0" cy="0"/>
+          <a:chOff x="0" y="0"/>
+          <a:chExt cx="0" cy="0"/>
+        </a:xfrm>
+      </p:grpSpPr>
+      <p:sp>
+        <p:nvSpPr>
+          <p:cNvPr id="6" name="Rectangle 5">
+            <a:extLst>
+              <a:ext uri="{FF2B5EF4-FFF2-40B4-BE49-F238E27FC236}">
+                <a16:creationId xmlns:a16="http://schemas.microsoft.com/office/drawing/2014/main" id="{F6DCC4CF-6B31-CF45-C7B1-489492DDD701}"/>
+              </a:ext>
+            </a:extLst>
+          </p:cNvPr>
+          <p:cNvSpPr/>
+          <p:nvPr/>
+        </p:nvSpPr>
+        <p:spPr>
+          <a:xfrm>
+            <a:off x="838200" y="1820254"/>
+            <a:ext cx="10515600" cy="4358355"/>
+          </a:xfrm>
+          <a:prstGeom prst="rect">
+            <a:avLst/>
+          </a:prstGeom>
+          <a:solidFill>
+            <a:schemeClr val="bg1"/>
+          </a:solidFill>
+          <a:ln>
+            <a:solidFill>
+              <a:schemeClr val="tx1"/>
+            </a:solidFill>
+          </a:ln>
+        </p:spPr>
+        <p:style>
+          <a:lnRef idx="2">
+            <a:schemeClr val="accent1">
+              <a:shade val="50000"/>
+            </a:schemeClr>
+          </a:lnRef>
+          <a:fillRef idx="1">
+            <a:schemeClr val="accent1"/>
+          </a:fillRef>
+          <a:effectRef idx="0">
+            <a:schemeClr val="accent1"/>
+          </a:effectRef>
+          <a:fontRef idx="minor">
+            <a:schemeClr val="lt1"/>
+          </a:fontRef>
+        </p:style>
+        <p:txBody>
+          <a:bodyPr rtlCol="0" anchor="ctr"/>
+          <a:lstStyle/>
+          <a:p>
+            <a:pPr algn="ctr"/>
+            <a:endParaRPr lang="en-DE"/>
+          </a:p>
+        </p:txBody>
+      </p:sp>
+      <p:sp>
+        <p:nvSpPr>
+          <p:cNvPr id="2" name="Title 1">
+            <a:extLst>
+              <a:ext uri="{FF2B5EF4-FFF2-40B4-BE49-F238E27FC236}">
+                <a16:creationId xmlns:a16="http://schemas.microsoft.com/office/drawing/2014/main" id="{09838C59-930B-7401-56A5-3876C47AD92D}"/>
+              </a:ext>
+            </a:extLst>
+          </p:cNvPr>
+          <p:cNvSpPr>
+            <a:spLocks noGrp="1"/>
+          </p:cNvSpPr>
+          <p:nvPr>
+            <p:ph type="title"/>
+          </p:nvPr>
+        </p:nvSpPr>
+        <p:spPr/>
+        <p:txBody>
+          <a:bodyPr/>
+          <a:lstStyle/>
+          <a:p>
+            <a:r>
+              <a:rPr lang="en-DE" dirty="0"/>
+              <a:t>Enum Switch Case</a:t>
+            </a:r>
+          </a:p>
+        </p:txBody>
+      </p:sp>
+      <p:pic>
+        <p:nvPicPr>
+          <p:cNvPr id="7" name="Picture 6">
+            <a:extLst>
+              <a:ext uri="{FF2B5EF4-FFF2-40B4-BE49-F238E27FC236}">
+                <a16:creationId xmlns:a16="http://schemas.microsoft.com/office/drawing/2014/main" id="{51BA35F9-BA22-717D-E758-EBF0FD07B4CF}"/>
+              </a:ext>
+            </a:extLst>
+          </p:cNvPr>
+          <p:cNvPicPr>
+            <a:picLocks noChangeAspect="1"/>
+          </p:cNvPicPr>
+          <p:nvPr/>
+        </p:nvPicPr>
+        <p:blipFill rotWithShape="1">
+          <a:blip r:embed="rId2"/>
+          <a:srcRect r="4821" b="5075"/>
+          <a:stretch/>
+        </p:blipFill>
+        <p:spPr>
+          <a:xfrm>
+            <a:off x="2953203" y="1906766"/>
+            <a:ext cx="6285593" cy="4185330"/>
+          </a:xfrm>
+          <a:prstGeom prst="rect">
+            <a:avLst/>
+          </a:prstGeom>
+        </p:spPr>
+      </p:pic>
+    </p:spTree>
+    <p:extLst>
+      <p:ext uri="{BB962C8B-B14F-4D97-AF65-F5344CB8AC3E}">
+        <p14:creationId xmlns:p14="http://schemas.microsoft.com/office/powerpoint/2010/main" val="5119784"/>
+      </p:ext>
+    </p:extLst>
+  </p:cSld>
+  <p:clrMapOvr>
+    <a:masterClrMapping/>
+  </p:clrMapOvr>
+</p:sld>
+</file>
+
+<file path=ppt/slides/slide9.xml><?xml version="1.0" encoding="utf-8"?>
+<p:sld xmlns:a="http://schemas.openxmlformats.org/drawingml/2006/main" xmlns:r="http://schemas.openxmlformats.org/officeDocument/2006/relationships" xmlns:p="http://schemas.openxmlformats.org/presentationml/2006/main">
+  <p:cSld>
+    <p:spTree>
+      <p:nvGrpSpPr>
+        <p:cNvPr id="1" name=""/>
+        <p:cNvGrpSpPr/>
+        <p:nvPr/>
+      </p:nvGrpSpPr>
+      <p:grpSpPr>
+        <a:xfrm>
+          <a:off x="0" y="0"/>
+          <a:ext cx="0" cy="0"/>
+          <a:chOff x="0" y="0"/>
+          <a:chExt cx="0" cy="0"/>
+        </a:xfrm>
+      </p:grpSpPr>
+      <p:sp>
+        <p:nvSpPr>
+          <p:cNvPr id="5" name="Rectangle 4">
+            <a:extLst>
+              <a:ext uri="{FF2B5EF4-FFF2-40B4-BE49-F238E27FC236}">
+                <a16:creationId xmlns:a16="http://schemas.microsoft.com/office/drawing/2014/main" id="{FD09CA9F-A283-9898-87C6-040913A4A5B7}"/>
+              </a:ext>
+            </a:extLst>
+          </p:cNvPr>
+          <p:cNvSpPr/>
+          <p:nvPr/>
+        </p:nvSpPr>
+        <p:spPr>
+          <a:xfrm>
+            <a:off x="838200" y="1820254"/>
+            <a:ext cx="10515600" cy="4358355"/>
+          </a:xfrm>
+          <a:prstGeom prst="rect">
+            <a:avLst/>
+          </a:prstGeom>
+          <a:solidFill>
+            <a:schemeClr val="bg1"/>
+          </a:solidFill>
+          <a:ln>
+            <a:solidFill>
+              <a:schemeClr val="tx1"/>
+            </a:solidFill>
+          </a:ln>
+        </p:spPr>
+        <p:style>
+          <a:lnRef idx="2">
+            <a:schemeClr val="accent1">
+              <a:shade val="50000"/>
+            </a:schemeClr>
+          </a:lnRef>
+          <a:fillRef idx="1">
+            <a:schemeClr val="accent1"/>
+          </a:fillRef>
+          <a:effectRef idx="0">
+            <a:schemeClr val="accent1"/>
+          </a:effectRef>
+          <a:fontRef idx="minor">
+            <a:schemeClr val="lt1"/>
+          </a:fontRef>
+        </p:style>
+        <p:txBody>
+          <a:bodyPr rtlCol="0" anchor="ctr"/>
+          <a:lstStyle/>
+          <a:p>
+            <a:pPr algn="ctr"/>
+            <a:endParaRPr lang="en-DE"/>
+          </a:p>
+        </p:txBody>
+      </p:sp>
+      <p:sp>
+        <p:nvSpPr>
+          <p:cNvPr id="2" name="Title 1">
+            <a:extLst>
+              <a:ext uri="{FF2B5EF4-FFF2-40B4-BE49-F238E27FC236}">
+                <a16:creationId xmlns:a16="http://schemas.microsoft.com/office/drawing/2014/main" id="{6553A57D-45CC-C9EF-A6B0-3A42BCBA96DB}"/>
+              </a:ext>
+            </a:extLst>
+          </p:cNvPr>
+          <p:cNvSpPr>
+            <a:spLocks noGrp="1"/>
+          </p:cNvSpPr>
+          <p:nvPr>
+            <p:ph type="title"/>
+          </p:nvPr>
+        </p:nvSpPr>
+        <p:spPr/>
+        <p:txBody>
+          <a:bodyPr/>
+          <a:lstStyle/>
+          <a:p>
+            <a:endParaRPr lang="en-DE"/>
+          </a:p>
+        </p:txBody>
+      </p:sp>
+      <p:pic>
+        <p:nvPicPr>
+          <p:cNvPr id="4" name="Picture 3">
+            <a:extLst>
+              <a:ext uri="{FF2B5EF4-FFF2-40B4-BE49-F238E27FC236}">
+                <a16:creationId xmlns:a16="http://schemas.microsoft.com/office/drawing/2014/main" id="{90586AEA-C5C7-938D-4C57-FE8FF535D1E8}"/>
+              </a:ext>
+            </a:extLst>
+          </p:cNvPr>
+          <p:cNvPicPr>
+            <a:picLocks noChangeAspect="1"/>
+          </p:cNvPicPr>
+          <p:nvPr/>
+        </p:nvPicPr>
+        <p:blipFill>
+          <a:blip r:embed="rId2"/>
+          <a:stretch>
+            <a:fillRect/>
+          </a:stretch>
+        </p:blipFill>
+        <p:spPr>
+          <a:xfrm>
+            <a:off x="3123746" y="1868541"/>
+            <a:ext cx="5944507" cy="4261780"/>
+          </a:xfrm>
+          <a:prstGeom prst="rect">
+            <a:avLst/>
+          </a:prstGeom>
+        </p:spPr>
+      </p:pic>
+    </p:spTree>
+    <p:extLst>
+      <p:ext uri="{BB962C8B-B14F-4D97-AF65-F5344CB8AC3E}">
+        <p14:creationId xmlns:p14="http://schemas.microsoft.com/office/powerpoint/2010/main" val="2755533563"/>
       </p:ext>
     </p:extLst>
   </p:cSld>
@@ -3698,4 +6145,299 @@
     </a:ext>
   </a:extLst>
 </a:theme>
+</file>
+
+<file path=ppt/theme/theme2.xml><?xml version="1.0" encoding="utf-8"?>
+<a:theme xmlns:a="http://schemas.openxmlformats.org/drawingml/2006/main" name="Office Theme">
+  <a:themeElements>
+    <a:clrScheme name="Office">
+      <a:dk1>
+        <a:sysClr val="windowText" lastClr="000000"/>
+      </a:dk1>
+      <a:lt1>
+        <a:sysClr val="window" lastClr="FFFFFF"/>
+      </a:lt1>
+      <a:dk2>
+        <a:srgbClr val="44546A"/>
+      </a:dk2>
+      <a:lt2>
+        <a:srgbClr val="E7E6E6"/>
+      </a:lt2>
+      <a:accent1>
+        <a:srgbClr val="4472C4"/>
+      </a:accent1>
+      <a:accent2>
+        <a:srgbClr val="ED7D31"/>
+      </a:accent2>
+      <a:accent3>
+        <a:srgbClr val="A5A5A5"/>
+      </a:accent3>
+      <a:accent4>
+        <a:srgbClr val="FFC000"/>
+      </a:accent4>
+      <a:accent5>
+        <a:srgbClr val="5B9BD5"/>
+      </a:accent5>
+      <a:accent6>
+        <a:srgbClr val="70AD47"/>
+      </a:accent6>
+      <a:hlink>
+        <a:srgbClr val="0563C1"/>
+      </a:hlink>
+      <a:folHlink>
+        <a:srgbClr val="954F72"/>
+      </a:folHlink>
+    </a:clrScheme>
+    <a:fontScheme name="Office">
+      <a:majorFont>
+        <a:latin typeface="Calibri Light" panose="020F0302020204030204"/>
+        <a:ea typeface=""/>
+        <a:cs typeface=""/>
+        <a:font script="Jpan" typeface="游ゴシック Light"/>
+        <a:font script="Hang" typeface="맑은 고딕"/>
+        <a:font script="Hans" typeface="等线 Light"/>
+        <a:font script="Hant" typeface="新細明體"/>
+        <a:font script="Arab" typeface="Times New Roman"/>
+        <a:font script="Hebr" typeface="Times New Roman"/>
+        <a:font script="Thai" typeface="Angsana New"/>
+        <a:font script="Ethi" typeface="Nyala"/>
+        <a:font script="Beng" typeface="Vrinda"/>
+        <a:font script="Gujr" typeface="Shruti"/>
+        <a:font script="Khmr" typeface="MoolBoran"/>
+        <a:font script="Knda" typeface="Tunga"/>
+        <a:font script="Guru" typeface="Raavi"/>
+        <a:font script="Cans" typeface="Euphemia"/>
+        <a:font script="Cher" typeface="Plantagenet Cherokee"/>
+        <a:font script="Yiii" typeface="Microsoft Yi Baiti"/>
+        <a:font script="Tibt" typeface="Microsoft Himalaya"/>
+        <a:font script="Thaa" typeface="MV Boli"/>
+        <a:font script="Deva" typeface="Mangal"/>
+        <a:font script="Telu" typeface="Gautami"/>
+        <a:font script="Taml" typeface="Latha"/>
+        <a:font script="Syrc" typeface="Estrangelo Edessa"/>
+        <a:font script="Orya" typeface="Kalinga"/>
+        <a:font script="Mlym" typeface="Kartika"/>
+        <a:font script="Laoo" typeface="DokChampa"/>
+        <a:font script="Sinh" typeface="Iskoola Pota"/>
+        <a:font script="Mong" typeface="Mongolian Baiti"/>
+        <a:font script="Viet" typeface="Times New Roman"/>
+        <a:font script="Uigh" typeface="Microsoft Uighur"/>
+        <a:font script="Geor" typeface="Sylfaen"/>
+        <a:font script="Armn" typeface="Arial"/>
+        <a:font script="Bugi" typeface="Leelawadee UI"/>
+        <a:font script="Bopo" typeface="Microsoft JhengHei"/>
+        <a:font script="Java" typeface="Javanese Text"/>
+        <a:font script="Lisu" typeface="Segoe UI"/>
+        <a:font script="Mymr" typeface="Myanmar Text"/>
+        <a:font script="Nkoo" typeface="Ebrima"/>
+        <a:font script="Olck" typeface="Nirmala UI"/>
+        <a:font script="Osma" typeface="Ebrima"/>
+        <a:font script="Phag" typeface="Phagspa"/>
+        <a:font script="Syrn" typeface="Estrangelo Edessa"/>
+        <a:font script="Syrj" typeface="Estrangelo Edessa"/>
+        <a:font script="Syre" typeface="Estrangelo Edessa"/>
+        <a:font script="Sora" typeface="Nirmala UI"/>
+        <a:font script="Tale" typeface="Microsoft Tai Le"/>
+        <a:font script="Talu" typeface="Microsoft New Tai Lue"/>
+        <a:font script="Tfng" typeface="Ebrima"/>
+      </a:majorFont>
+      <a:minorFont>
+        <a:latin typeface="Calibri" panose="020F0502020204030204"/>
+        <a:ea typeface=""/>
+        <a:cs typeface=""/>
+        <a:font script="Jpan" typeface="游ゴシック"/>
+        <a:font script="Hang" typeface="맑은 고딕"/>
+        <a:font script="Hans" typeface="等线"/>
+        <a:font script="Hant" typeface="新細明體"/>
+        <a:font script="Arab" typeface="Arial"/>
+        <a:font script="Hebr" typeface="Arial"/>
+        <a:font script="Thai" typeface="Cordia New"/>
+        <a:font script="Ethi" typeface="Nyala"/>
+        <a:font script="Beng" typeface="Vrinda"/>
+        <a:font script="Gujr" typeface="Shruti"/>
+        <a:font script="Khmr" typeface="DaunPenh"/>
+        <a:font script="Knda" typeface="Tunga"/>
+        <a:font script="Guru" typeface="Raavi"/>
+        <a:font script="Cans" typeface="Euphemia"/>
+        <a:font script="Cher" typeface="Plantagenet Cherokee"/>
+        <a:font script="Yiii" typeface="Microsoft Yi Baiti"/>
+        <a:font script="Tibt" typeface="Microsoft Himalaya"/>
+        <a:font script="Thaa" typeface="MV Boli"/>
+        <a:font script="Deva" typeface="Mangal"/>
+        <a:font script="Telu" typeface="Gautami"/>
+        <a:font script="Taml" typeface="Latha"/>
+        <a:font script="Syrc" typeface="Estrangelo Edessa"/>
+        <a:font script="Orya" typeface="Kalinga"/>
+        <a:font script="Mlym" typeface="Kartika"/>
+        <a:font script="Laoo" typeface="DokChampa"/>
+        <a:font script="Sinh" typeface="Iskoola Pota"/>
+        <a:font script="Mong" typeface="Mongolian Baiti"/>
+        <a:font script="Viet" typeface="Arial"/>
+        <a:font script="Uigh" typeface="Microsoft Uighur"/>
+        <a:font script="Geor" typeface="Sylfaen"/>
+        <a:font script="Armn" typeface="Arial"/>
+        <a:font script="Bugi" typeface="Leelawadee UI"/>
+        <a:font script="Bopo" typeface="Microsoft JhengHei"/>
+        <a:font script="Java" typeface="Javanese Text"/>
+        <a:font script="Lisu" typeface="Segoe UI"/>
+        <a:font script="Mymr" typeface="Myanmar Text"/>
+        <a:font script="Nkoo" typeface="Ebrima"/>
+        <a:font script="Olck" typeface="Nirmala UI"/>
+        <a:font script="Osma" typeface="Ebrima"/>
+        <a:font script="Phag" typeface="Phagspa"/>
+        <a:font script="Syrn" typeface="Estrangelo Edessa"/>
+        <a:font script="Syrj" typeface="Estrangelo Edessa"/>
+        <a:font script="Syre" typeface="Estrangelo Edessa"/>
+        <a:font script="Sora" typeface="Nirmala UI"/>
+        <a:font script="Tale" typeface="Microsoft Tai Le"/>
+        <a:font script="Talu" typeface="Microsoft New Tai Lue"/>
+        <a:font script="Tfng" typeface="Ebrima"/>
+      </a:minorFont>
+    </a:fontScheme>
+    <a:fmtScheme name="Office">
+      <a:fillStyleLst>
+        <a:solidFill>
+          <a:schemeClr val="phClr"/>
+        </a:solidFill>
+        <a:gradFill rotWithShape="1">
+          <a:gsLst>
+            <a:gs pos="0">
+              <a:schemeClr val="phClr">
+                <a:lumMod val="110000"/>
+                <a:satMod val="105000"/>
+                <a:tint val="67000"/>
+              </a:schemeClr>
+            </a:gs>
+            <a:gs pos="50000">
+              <a:schemeClr val="phClr">
+                <a:lumMod val="105000"/>
+                <a:satMod val="103000"/>
+                <a:tint val="73000"/>
+              </a:schemeClr>
+            </a:gs>
+            <a:gs pos="100000">
+              <a:schemeClr val="phClr">
+                <a:lumMod val="105000"/>
+                <a:satMod val="109000"/>
+                <a:tint val="81000"/>
+              </a:schemeClr>
+            </a:gs>
+          </a:gsLst>
+          <a:lin ang="5400000" scaled="0"/>
+        </a:gradFill>
+        <a:gradFill rotWithShape="1">
+          <a:gsLst>
+            <a:gs pos="0">
+              <a:schemeClr val="phClr">
+                <a:satMod val="103000"/>
+                <a:lumMod val="102000"/>
+                <a:tint val="94000"/>
+              </a:schemeClr>
+            </a:gs>
+            <a:gs pos="50000">
+              <a:schemeClr val="phClr">
+                <a:satMod val="110000"/>
+                <a:lumMod val="100000"/>
+                <a:shade val="100000"/>
+              </a:schemeClr>
+            </a:gs>
+            <a:gs pos="100000">
+              <a:schemeClr val="phClr">
+                <a:lumMod val="99000"/>
+                <a:satMod val="120000"/>
+                <a:shade val="78000"/>
+              </a:schemeClr>
+            </a:gs>
+          </a:gsLst>
+          <a:lin ang="5400000" scaled="0"/>
+        </a:gradFill>
+      </a:fillStyleLst>
+      <a:lnStyleLst>
+        <a:ln w="6350" cap="flat" cmpd="sng" algn="ctr">
+          <a:solidFill>
+            <a:schemeClr val="phClr"/>
+          </a:solidFill>
+          <a:prstDash val="solid"/>
+          <a:miter lim="800000"/>
+        </a:ln>
+        <a:ln w="12700" cap="flat" cmpd="sng" algn="ctr">
+          <a:solidFill>
+            <a:schemeClr val="phClr"/>
+          </a:solidFill>
+          <a:prstDash val="solid"/>
+          <a:miter lim="800000"/>
+        </a:ln>
+        <a:ln w="19050" cap="flat" cmpd="sng" algn="ctr">
+          <a:solidFill>
+            <a:schemeClr val="phClr"/>
+          </a:solidFill>
+          <a:prstDash val="solid"/>
+          <a:miter lim="800000"/>
+        </a:ln>
+      </a:lnStyleLst>
+      <a:effectStyleLst>
+        <a:effectStyle>
+          <a:effectLst/>
+        </a:effectStyle>
+        <a:effectStyle>
+          <a:effectLst/>
+        </a:effectStyle>
+        <a:effectStyle>
+          <a:effectLst>
+            <a:outerShdw blurRad="57150" dist="19050" dir="5400000" algn="ctr" rotWithShape="0">
+              <a:srgbClr val="000000">
+                <a:alpha val="63000"/>
+              </a:srgbClr>
+            </a:outerShdw>
+          </a:effectLst>
+        </a:effectStyle>
+      </a:effectStyleLst>
+      <a:bgFillStyleLst>
+        <a:solidFill>
+          <a:schemeClr val="phClr"/>
+        </a:solidFill>
+        <a:solidFill>
+          <a:schemeClr val="phClr">
+            <a:tint val="95000"/>
+            <a:satMod val="170000"/>
+          </a:schemeClr>
+        </a:solidFill>
+        <a:gradFill rotWithShape="1">
+          <a:gsLst>
+            <a:gs pos="0">
+              <a:schemeClr val="phClr">
+                <a:tint val="93000"/>
+                <a:satMod val="150000"/>
+                <a:shade val="98000"/>
+                <a:lumMod val="102000"/>
+              </a:schemeClr>
+            </a:gs>
+            <a:gs pos="50000">
+              <a:schemeClr val="phClr">
+                <a:tint val="98000"/>
+                <a:satMod val="130000"/>
+                <a:shade val="90000"/>
+                <a:lumMod val="103000"/>
+              </a:schemeClr>
+            </a:gs>
+            <a:gs pos="100000">
+              <a:schemeClr val="phClr">
+                <a:shade val="63000"/>
+                <a:satMod val="120000"/>
+              </a:schemeClr>
+            </a:gs>
+          </a:gsLst>
+          <a:lin ang="5400000" scaled="0"/>
+        </a:gradFill>
+      </a:bgFillStyleLst>
+    </a:fmtScheme>
+  </a:themeElements>
+  <a:objectDefaults/>
+  <a:extraClrSchemeLst/>
+  <a:extLst>
+    <a:ext uri="{05A4C25C-085E-4340-85A3-A5531E510DB2}">
+      <thm15:themeFamily xmlns:thm15="http://schemas.microsoft.com/office/thememl/2012/main" name="Office Theme" id="{62F939B6-93AF-4DB8-9C6B-D6C7DFDC589F}" vid="{4A3C46E8-61CC-4603-A589-7422A47A8E4A}"/>
+    </a:ext>
+  </a:extLst>
+</a:theme>
 </file>